--- a/MySelf.pptx
+++ b/MySelf.pptx
@@ -6,7 +6,6 @@
   </p:sldMasterIdLst>
   <p:sldIdLst>
     <p:sldId id="622" r:id="rId2"/>
-    <p:sldId id="276" r:id="rId3"/>
   </p:sldIdLst>
   <p:sldSz cx="12192000" cy="6858000"/>
   <p:notesSz cx="6858000" cy="9144000"/>
@@ -107,7 +106,7 @@
   </p:defaultTextStyle>
   <p:extLst>
     <p:ext uri="{EFAFB233-063F-42B5-8137-9DF3F51BA10A}">
-      <p15:sldGuideLst xmlns:p15="http://schemas.microsoft.com/office/powerpoint/2012/main"/>
+      <p15:sldGuideLst xmlns:p15="http://schemas.microsoft.com/office/powerpoint/2012/main" xmlns=""/>
     </p:ext>
   </p:extLst>
 </p:presentation>
@@ -135,7 +134,7 @@
           <p:cNvPr id="2" name="Title 1">
             <a:extLst>
               <a:ext uri="{FF2B5EF4-FFF2-40B4-BE49-F238E27FC236}">
-                <a16:creationId xmlns:a16="http://schemas.microsoft.com/office/drawing/2014/main" id="{771A0BF8-6686-4F02-AB36-9614142B369E}"/>
+                <a16:creationId xmlns:a16="http://schemas.microsoft.com/office/drawing/2014/main" xmlns="" id="{771A0BF8-6686-4F02-AB36-9614142B369E}"/>
               </a:ext>
             </a:extLst>
           </p:cNvPr>
@@ -173,7 +172,7 @@
           <p:cNvPr id="3" name="Subtitle 2">
             <a:extLst>
               <a:ext uri="{FF2B5EF4-FFF2-40B4-BE49-F238E27FC236}">
-                <a16:creationId xmlns:a16="http://schemas.microsoft.com/office/drawing/2014/main" id="{93B406FE-1165-421C-8D35-96F0CFEA6D51}"/>
+                <a16:creationId xmlns:a16="http://schemas.microsoft.com/office/drawing/2014/main" xmlns="" id="{93B406FE-1165-421C-8D35-96F0CFEA6D51}"/>
               </a:ext>
             </a:extLst>
           </p:cNvPr>
@@ -244,7 +243,7 @@
           <p:cNvPr id="4" name="Date Placeholder 3">
             <a:extLst>
               <a:ext uri="{FF2B5EF4-FFF2-40B4-BE49-F238E27FC236}">
-                <a16:creationId xmlns:a16="http://schemas.microsoft.com/office/drawing/2014/main" id="{DA7B22AA-13F6-430C-B5C3-3ED6A1325F28}"/>
+                <a16:creationId xmlns:a16="http://schemas.microsoft.com/office/drawing/2014/main" xmlns="" id="{DA7B22AA-13F6-430C-B5C3-3ED6A1325F28}"/>
               </a:ext>
             </a:extLst>
           </p:cNvPr>
@@ -262,7 +261,7 @@
           <a:p>
             <a:fld id="{1661375A-C223-44C8-917C-F7C3A1BCD50F}" type="datetimeFigureOut">
               <a:rPr lang="en-GB" smtClean="0"/>
-              <a:t>04/08/2018</a:t>
+              <a:t>29/11/2019</a:t>
             </a:fld>
             <a:endParaRPr lang="en-GB"/>
           </a:p>
@@ -273,7 +272,7 @@
           <p:cNvPr id="5" name="Footer Placeholder 4">
             <a:extLst>
               <a:ext uri="{FF2B5EF4-FFF2-40B4-BE49-F238E27FC236}">
-                <a16:creationId xmlns:a16="http://schemas.microsoft.com/office/drawing/2014/main" id="{12FB799C-1B8A-42C0-AD53-6DBEF2EC7EF6}"/>
+                <a16:creationId xmlns:a16="http://schemas.microsoft.com/office/drawing/2014/main" xmlns="" id="{12FB799C-1B8A-42C0-AD53-6DBEF2EC7EF6}"/>
               </a:ext>
             </a:extLst>
           </p:cNvPr>
@@ -298,7 +297,7 @@
           <p:cNvPr id="6" name="Slide Number Placeholder 5">
             <a:extLst>
               <a:ext uri="{FF2B5EF4-FFF2-40B4-BE49-F238E27FC236}">
-                <a16:creationId xmlns:a16="http://schemas.microsoft.com/office/drawing/2014/main" id="{8D8C035E-958A-44D5-9920-E77375E90336}"/>
+                <a16:creationId xmlns:a16="http://schemas.microsoft.com/office/drawing/2014/main" xmlns="" id="{8D8C035E-958A-44D5-9920-E77375E90336}"/>
               </a:ext>
             </a:extLst>
           </p:cNvPr>
@@ -357,7 +356,7 @@
           <p:cNvPr id="2" name="Title 1">
             <a:extLst>
               <a:ext uri="{FF2B5EF4-FFF2-40B4-BE49-F238E27FC236}">
-                <a16:creationId xmlns:a16="http://schemas.microsoft.com/office/drawing/2014/main" id="{81BE3A36-A7B5-4AED-90CE-DAABE341C72C}"/>
+                <a16:creationId xmlns:a16="http://schemas.microsoft.com/office/drawing/2014/main" xmlns="" id="{81BE3A36-A7B5-4AED-90CE-DAABE341C72C}"/>
               </a:ext>
             </a:extLst>
           </p:cNvPr>
@@ -386,7 +385,7 @@
           <p:cNvPr id="3" name="Vertical Text Placeholder 2">
             <a:extLst>
               <a:ext uri="{FF2B5EF4-FFF2-40B4-BE49-F238E27FC236}">
-                <a16:creationId xmlns:a16="http://schemas.microsoft.com/office/drawing/2014/main" id="{626DD818-2AC6-4AD8-ADB0-757AE6DE1FE6}"/>
+                <a16:creationId xmlns:a16="http://schemas.microsoft.com/office/drawing/2014/main" xmlns="" id="{626DD818-2AC6-4AD8-ADB0-757AE6DE1FE6}"/>
               </a:ext>
             </a:extLst>
           </p:cNvPr>
@@ -444,7 +443,7 @@
           <p:cNvPr id="4" name="Date Placeholder 3">
             <a:extLst>
               <a:ext uri="{FF2B5EF4-FFF2-40B4-BE49-F238E27FC236}">
-                <a16:creationId xmlns:a16="http://schemas.microsoft.com/office/drawing/2014/main" id="{1AB561BE-2670-413D-B85D-350DC6A08AAC}"/>
+                <a16:creationId xmlns:a16="http://schemas.microsoft.com/office/drawing/2014/main" xmlns="" id="{1AB561BE-2670-413D-B85D-350DC6A08AAC}"/>
               </a:ext>
             </a:extLst>
           </p:cNvPr>
@@ -462,7 +461,7 @@
           <a:p>
             <a:fld id="{1661375A-C223-44C8-917C-F7C3A1BCD50F}" type="datetimeFigureOut">
               <a:rPr lang="en-GB" smtClean="0"/>
-              <a:t>04/08/2018</a:t>
+              <a:t>29/11/2019</a:t>
             </a:fld>
             <a:endParaRPr lang="en-GB"/>
           </a:p>
@@ -473,7 +472,7 @@
           <p:cNvPr id="5" name="Footer Placeholder 4">
             <a:extLst>
               <a:ext uri="{FF2B5EF4-FFF2-40B4-BE49-F238E27FC236}">
-                <a16:creationId xmlns:a16="http://schemas.microsoft.com/office/drawing/2014/main" id="{8A7469BC-9B02-4F1D-9332-C52CAA6CD686}"/>
+                <a16:creationId xmlns:a16="http://schemas.microsoft.com/office/drawing/2014/main" xmlns="" id="{8A7469BC-9B02-4F1D-9332-C52CAA6CD686}"/>
               </a:ext>
             </a:extLst>
           </p:cNvPr>
@@ -498,7 +497,7 @@
           <p:cNvPr id="6" name="Slide Number Placeholder 5">
             <a:extLst>
               <a:ext uri="{FF2B5EF4-FFF2-40B4-BE49-F238E27FC236}">
-                <a16:creationId xmlns:a16="http://schemas.microsoft.com/office/drawing/2014/main" id="{B8F37A4D-841D-4B35-BD23-CCB82FC1C5BF}"/>
+                <a16:creationId xmlns:a16="http://schemas.microsoft.com/office/drawing/2014/main" xmlns="" id="{B8F37A4D-841D-4B35-BD23-CCB82FC1C5BF}"/>
               </a:ext>
             </a:extLst>
           </p:cNvPr>
@@ -557,7 +556,7 @@
           <p:cNvPr id="2" name="Vertical Title 1">
             <a:extLst>
               <a:ext uri="{FF2B5EF4-FFF2-40B4-BE49-F238E27FC236}">
-                <a16:creationId xmlns:a16="http://schemas.microsoft.com/office/drawing/2014/main" id="{F24028CB-78B2-414A-9948-C32EA4A46C81}"/>
+                <a16:creationId xmlns:a16="http://schemas.microsoft.com/office/drawing/2014/main" xmlns="" id="{F24028CB-78B2-414A-9948-C32EA4A46C81}"/>
               </a:ext>
             </a:extLst>
           </p:cNvPr>
@@ -591,7 +590,7 @@
           <p:cNvPr id="3" name="Vertical Text Placeholder 2">
             <a:extLst>
               <a:ext uri="{FF2B5EF4-FFF2-40B4-BE49-F238E27FC236}">
-                <a16:creationId xmlns:a16="http://schemas.microsoft.com/office/drawing/2014/main" id="{852AA2E1-9030-407F-A8FB-98BCFFFDF775}"/>
+                <a16:creationId xmlns:a16="http://schemas.microsoft.com/office/drawing/2014/main" xmlns="" id="{852AA2E1-9030-407F-A8FB-98BCFFFDF775}"/>
               </a:ext>
             </a:extLst>
           </p:cNvPr>
@@ -654,7 +653,7 @@
           <p:cNvPr id="4" name="Date Placeholder 3">
             <a:extLst>
               <a:ext uri="{FF2B5EF4-FFF2-40B4-BE49-F238E27FC236}">
-                <a16:creationId xmlns:a16="http://schemas.microsoft.com/office/drawing/2014/main" id="{80722082-BED4-46DC-B1C0-9696140EF480}"/>
+                <a16:creationId xmlns:a16="http://schemas.microsoft.com/office/drawing/2014/main" xmlns="" id="{80722082-BED4-46DC-B1C0-9696140EF480}"/>
               </a:ext>
             </a:extLst>
           </p:cNvPr>
@@ -672,7 +671,7 @@
           <a:p>
             <a:fld id="{1661375A-C223-44C8-917C-F7C3A1BCD50F}" type="datetimeFigureOut">
               <a:rPr lang="en-GB" smtClean="0"/>
-              <a:t>04/08/2018</a:t>
+              <a:t>29/11/2019</a:t>
             </a:fld>
             <a:endParaRPr lang="en-GB"/>
           </a:p>
@@ -683,7 +682,7 @@
           <p:cNvPr id="5" name="Footer Placeholder 4">
             <a:extLst>
               <a:ext uri="{FF2B5EF4-FFF2-40B4-BE49-F238E27FC236}">
-                <a16:creationId xmlns:a16="http://schemas.microsoft.com/office/drawing/2014/main" id="{F9485038-E165-45A4-8C75-C8A3CA8177EC}"/>
+                <a16:creationId xmlns:a16="http://schemas.microsoft.com/office/drawing/2014/main" xmlns="" id="{F9485038-E165-45A4-8C75-C8A3CA8177EC}"/>
               </a:ext>
             </a:extLst>
           </p:cNvPr>
@@ -708,7 +707,7 @@
           <p:cNvPr id="6" name="Slide Number Placeholder 5">
             <a:extLst>
               <a:ext uri="{FF2B5EF4-FFF2-40B4-BE49-F238E27FC236}">
-                <a16:creationId xmlns:a16="http://schemas.microsoft.com/office/drawing/2014/main" id="{C79D7943-C606-446E-B743-3AB1AE587BA9}"/>
+                <a16:creationId xmlns:a16="http://schemas.microsoft.com/office/drawing/2014/main" xmlns="" id="{C79D7943-C606-446E-B743-3AB1AE587BA9}"/>
               </a:ext>
             </a:extLst>
           </p:cNvPr>
@@ -767,7 +766,7 @@
           <p:cNvPr id="2" name="Title 1">
             <a:extLst>
               <a:ext uri="{FF2B5EF4-FFF2-40B4-BE49-F238E27FC236}">
-                <a16:creationId xmlns:a16="http://schemas.microsoft.com/office/drawing/2014/main" id="{F1628C7A-67F3-4CAD-9852-569FF656AD4E}"/>
+                <a16:creationId xmlns:a16="http://schemas.microsoft.com/office/drawing/2014/main" xmlns="" id="{F1628C7A-67F3-4CAD-9852-569FF656AD4E}"/>
               </a:ext>
             </a:extLst>
           </p:cNvPr>
@@ -796,7 +795,7 @@
           <p:cNvPr id="3" name="Content Placeholder 2">
             <a:extLst>
               <a:ext uri="{FF2B5EF4-FFF2-40B4-BE49-F238E27FC236}">
-                <a16:creationId xmlns:a16="http://schemas.microsoft.com/office/drawing/2014/main" id="{1D1E717F-25DD-4AF6-8E4C-C3F0B7258767}"/>
+                <a16:creationId xmlns:a16="http://schemas.microsoft.com/office/drawing/2014/main" xmlns="" id="{1D1E717F-25DD-4AF6-8E4C-C3F0B7258767}"/>
               </a:ext>
             </a:extLst>
           </p:cNvPr>
@@ -854,7 +853,7 @@
           <p:cNvPr id="4" name="Date Placeholder 3">
             <a:extLst>
               <a:ext uri="{FF2B5EF4-FFF2-40B4-BE49-F238E27FC236}">
-                <a16:creationId xmlns:a16="http://schemas.microsoft.com/office/drawing/2014/main" id="{5EB9BF79-C6C8-4A28-B317-36AB52011BBD}"/>
+                <a16:creationId xmlns:a16="http://schemas.microsoft.com/office/drawing/2014/main" xmlns="" id="{5EB9BF79-C6C8-4A28-B317-36AB52011BBD}"/>
               </a:ext>
             </a:extLst>
           </p:cNvPr>
@@ -872,7 +871,7 @@
           <a:p>
             <a:fld id="{1661375A-C223-44C8-917C-F7C3A1BCD50F}" type="datetimeFigureOut">
               <a:rPr lang="en-GB" smtClean="0"/>
-              <a:t>04/08/2018</a:t>
+              <a:t>29/11/2019</a:t>
             </a:fld>
             <a:endParaRPr lang="en-GB"/>
           </a:p>
@@ -883,7 +882,7 @@
           <p:cNvPr id="5" name="Footer Placeholder 4">
             <a:extLst>
               <a:ext uri="{FF2B5EF4-FFF2-40B4-BE49-F238E27FC236}">
-                <a16:creationId xmlns:a16="http://schemas.microsoft.com/office/drawing/2014/main" id="{A052C1D1-F1BF-42DD-A7C6-2ED272DF8AF6}"/>
+                <a16:creationId xmlns:a16="http://schemas.microsoft.com/office/drawing/2014/main" xmlns="" id="{A052C1D1-F1BF-42DD-A7C6-2ED272DF8AF6}"/>
               </a:ext>
             </a:extLst>
           </p:cNvPr>
@@ -908,7 +907,7 @@
           <p:cNvPr id="6" name="Slide Number Placeholder 5">
             <a:extLst>
               <a:ext uri="{FF2B5EF4-FFF2-40B4-BE49-F238E27FC236}">
-                <a16:creationId xmlns:a16="http://schemas.microsoft.com/office/drawing/2014/main" id="{B05916BF-016F-4056-985B-466516E68445}"/>
+                <a16:creationId xmlns:a16="http://schemas.microsoft.com/office/drawing/2014/main" xmlns="" id="{B05916BF-016F-4056-985B-466516E68445}"/>
               </a:ext>
             </a:extLst>
           </p:cNvPr>
@@ -967,7 +966,7 @@
           <p:cNvPr id="2" name="Title 1">
             <a:extLst>
               <a:ext uri="{FF2B5EF4-FFF2-40B4-BE49-F238E27FC236}">
-                <a16:creationId xmlns:a16="http://schemas.microsoft.com/office/drawing/2014/main" id="{A39FAECB-6827-4D91-8EB5-800DD8EA28F3}"/>
+                <a16:creationId xmlns:a16="http://schemas.microsoft.com/office/drawing/2014/main" xmlns="" id="{A39FAECB-6827-4D91-8EB5-800DD8EA28F3}"/>
               </a:ext>
             </a:extLst>
           </p:cNvPr>
@@ -1005,7 +1004,7 @@
           <p:cNvPr id="3" name="Text Placeholder 2">
             <a:extLst>
               <a:ext uri="{FF2B5EF4-FFF2-40B4-BE49-F238E27FC236}">
-                <a16:creationId xmlns:a16="http://schemas.microsoft.com/office/drawing/2014/main" id="{73CEBD6D-8344-4937-9A0D-E2DBE531B3F1}"/>
+                <a16:creationId xmlns:a16="http://schemas.microsoft.com/office/drawing/2014/main" xmlns="" id="{73CEBD6D-8344-4937-9A0D-E2DBE531B3F1}"/>
               </a:ext>
             </a:extLst>
           </p:cNvPr>
@@ -1130,7 +1129,7 @@
           <p:cNvPr id="4" name="Date Placeholder 3">
             <a:extLst>
               <a:ext uri="{FF2B5EF4-FFF2-40B4-BE49-F238E27FC236}">
-                <a16:creationId xmlns:a16="http://schemas.microsoft.com/office/drawing/2014/main" id="{40598055-7F4B-4E57-92A1-C43CE07ED7D1}"/>
+                <a16:creationId xmlns:a16="http://schemas.microsoft.com/office/drawing/2014/main" xmlns="" id="{40598055-7F4B-4E57-92A1-C43CE07ED7D1}"/>
               </a:ext>
             </a:extLst>
           </p:cNvPr>
@@ -1148,7 +1147,7 @@
           <a:p>
             <a:fld id="{1661375A-C223-44C8-917C-F7C3A1BCD50F}" type="datetimeFigureOut">
               <a:rPr lang="en-GB" smtClean="0"/>
-              <a:t>04/08/2018</a:t>
+              <a:t>29/11/2019</a:t>
             </a:fld>
             <a:endParaRPr lang="en-GB"/>
           </a:p>
@@ -1159,7 +1158,7 @@
           <p:cNvPr id="5" name="Footer Placeholder 4">
             <a:extLst>
               <a:ext uri="{FF2B5EF4-FFF2-40B4-BE49-F238E27FC236}">
-                <a16:creationId xmlns:a16="http://schemas.microsoft.com/office/drawing/2014/main" id="{0BC8293C-337A-46B9-801C-405BA28F919C}"/>
+                <a16:creationId xmlns:a16="http://schemas.microsoft.com/office/drawing/2014/main" xmlns="" id="{0BC8293C-337A-46B9-801C-405BA28F919C}"/>
               </a:ext>
             </a:extLst>
           </p:cNvPr>
@@ -1184,7 +1183,7 @@
           <p:cNvPr id="6" name="Slide Number Placeholder 5">
             <a:extLst>
               <a:ext uri="{FF2B5EF4-FFF2-40B4-BE49-F238E27FC236}">
-                <a16:creationId xmlns:a16="http://schemas.microsoft.com/office/drawing/2014/main" id="{77FE3A87-6EF6-4E32-958D-D3BDE968EC61}"/>
+                <a16:creationId xmlns:a16="http://schemas.microsoft.com/office/drawing/2014/main" xmlns="" id="{77FE3A87-6EF6-4E32-958D-D3BDE968EC61}"/>
               </a:ext>
             </a:extLst>
           </p:cNvPr>
@@ -1243,7 +1242,7 @@
           <p:cNvPr id="2" name="Title 1">
             <a:extLst>
               <a:ext uri="{FF2B5EF4-FFF2-40B4-BE49-F238E27FC236}">
-                <a16:creationId xmlns:a16="http://schemas.microsoft.com/office/drawing/2014/main" id="{439C1E4F-8411-4152-A040-45E4E38D465B}"/>
+                <a16:creationId xmlns:a16="http://schemas.microsoft.com/office/drawing/2014/main" xmlns="" id="{439C1E4F-8411-4152-A040-45E4E38D465B}"/>
               </a:ext>
             </a:extLst>
           </p:cNvPr>
@@ -1272,7 +1271,7 @@
           <p:cNvPr id="3" name="Content Placeholder 2">
             <a:extLst>
               <a:ext uri="{FF2B5EF4-FFF2-40B4-BE49-F238E27FC236}">
-                <a16:creationId xmlns:a16="http://schemas.microsoft.com/office/drawing/2014/main" id="{0C93C882-D441-40BC-AAB7-FB3EF79F6F5C}"/>
+                <a16:creationId xmlns:a16="http://schemas.microsoft.com/office/drawing/2014/main" xmlns="" id="{0C93C882-D441-40BC-AAB7-FB3EF79F6F5C}"/>
               </a:ext>
             </a:extLst>
           </p:cNvPr>
@@ -1335,7 +1334,7 @@
           <p:cNvPr id="4" name="Content Placeholder 3">
             <a:extLst>
               <a:ext uri="{FF2B5EF4-FFF2-40B4-BE49-F238E27FC236}">
-                <a16:creationId xmlns:a16="http://schemas.microsoft.com/office/drawing/2014/main" id="{880FF742-A50B-4EB6-86AE-E67F120A5B68}"/>
+                <a16:creationId xmlns:a16="http://schemas.microsoft.com/office/drawing/2014/main" xmlns="" id="{880FF742-A50B-4EB6-86AE-E67F120A5B68}"/>
               </a:ext>
             </a:extLst>
           </p:cNvPr>
@@ -1398,7 +1397,7 @@
           <p:cNvPr id="5" name="Date Placeholder 4">
             <a:extLst>
               <a:ext uri="{FF2B5EF4-FFF2-40B4-BE49-F238E27FC236}">
-                <a16:creationId xmlns:a16="http://schemas.microsoft.com/office/drawing/2014/main" id="{5ACB9172-F4DE-4657-A074-EF8778EE7E7D}"/>
+                <a16:creationId xmlns:a16="http://schemas.microsoft.com/office/drawing/2014/main" xmlns="" id="{5ACB9172-F4DE-4657-A074-EF8778EE7E7D}"/>
               </a:ext>
             </a:extLst>
           </p:cNvPr>
@@ -1416,7 +1415,7 @@
           <a:p>
             <a:fld id="{1661375A-C223-44C8-917C-F7C3A1BCD50F}" type="datetimeFigureOut">
               <a:rPr lang="en-GB" smtClean="0"/>
-              <a:t>04/08/2018</a:t>
+              <a:t>29/11/2019</a:t>
             </a:fld>
             <a:endParaRPr lang="en-GB"/>
           </a:p>
@@ -1427,7 +1426,7 @@
           <p:cNvPr id="6" name="Footer Placeholder 5">
             <a:extLst>
               <a:ext uri="{FF2B5EF4-FFF2-40B4-BE49-F238E27FC236}">
-                <a16:creationId xmlns:a16="http://schemas.microsoft.com/office/drawing/2014/main" id="{77507DBE-C8F7-423C-9124-EE7B3D22E368}"/>
+                <a16:creationId xmlns:a16="http://schemas.microsoft.com/office/drawing/2014/main" xmlns="" id="{77507DBE-C8F7-423C-9124-EE7B3D22E368}"/>
               </a:ext>
             </a:extLst>
           </p:cNvPr>
@@ -1452,7 +1451,7 @@
           <p:cNvPr id="7" name="Slide Number Placeholder 6">
             <a:extLst>
               <a:ext uri="{FF2B5EF4-FFF2-40B4-BE49-F238E27FC236}">
-                <a16:creationId xmlns:a16="http://schemas.microsoft.com/office/drawing/2014/main" id="{D881AC0B-71D5-43A5-AD86-9668B4D92263}"/>
+                <a16:creationId xmlns:a16="http://schemas.microsoft.com/office/drawing/2014/main" xmlns="" id="{D881AC0B-71D5-43A5-AD86-9668B4D92263}"/>
               </a:ext>
             </a:extLst>
           </p:cNvPr>
@@ -1511,7 +1510,7 @@
           <p:cNvPr id="2" name="Title 1">
             <a:extLst>
               <a:ext uri="{FF2B5EF4-FFF2-40B4-BE49-F238E27FC236}">
-                <a16:creationId xmlns:a16="http://schemas.microsoft.com/office/drawing/2014/main" id="{18C204D3-549C-4770-B620-7E3D4678A946}"/>
+                <a16:creationId xmlns:a16="http://schemas.microsoft.com/office/drawing/2014/main" xmlns="" id="{18C204D3-549C-4770-B620-7E3D4678A946}"/>
               </a:ext>
             </a:extLst>
           </p:cNvPr>
@@ -1545,7 +1544,7 @@
           <p:cNvPr id="3" name="Text Placeholder 2">
             <a:extLst>
               <a:ext uri="{FF2B5EF4-FFF2-40B4-BE49-F238E27FC236}">
-                <a16:creationId xmlns:a16="http://schemas.microsoft.com/office/drawing/2014/main" id="{54306D22-9474-474E-A4DD-36D304E57648}"/>
+                <a16:creationId xmlns:a16="http://schemas.microsoft.com/office/drawing/2014/main" xmlns="" id="{54306D22-9474-474E-A4DD-36D304E57648}"/>
               </a:ext>
             </a:extLst>
           </p:cNvPr>
@@ -1616,7 +1615,7 @@
           <p:cNvPr id="4" name="Content Placeholder 3">
             <a:extLst>
               <a:ext uri="{FF2B5EF4-FFF2-40B4-BE49-F238E27FC236}">
-                <a16:creationId xmlns:a16="http://schemas.microsoft.com/office/drawing/2014/main" id="{AD9ED9F3-E75B-4CB6-9C20-44656AF0159D}"/>
+                <a16:creationId xmlns:a16="http://schemas.microsoft.com/office/drawing/2014/main" xmlns="" id="{AD9ED9F3-E75B-4CB6-9C20-44656AF0159D}"/>
               </a:ext>
             </a:extLst>
           </p:cNvPr>
@@ -1679,7 +1678,7 @@
           <p:cNvPr id="5" name="Text Placeholder 4">
             <a:extLst>
               <a:ext uri="{FF2B5EF4-FFF2-40B4-BE49-F238E27FC236}">
-                <a16:creationId xmlns:a16="http://schemas.microsoft.com/office/drawing/2014/main" id="{82AB8604-4E78-4EF6-AF81-B832751C756A}"/>
+                <a16:creationId xmlns:a16="http://schemas.microsoft.com/office/drawing/2014/main" xmlns="" id="{82AB8604-4E78-4EF6-AF81-B832751C756A}"/>
               </a:ext>
             </a:extLst>
           </p:cNvPr>
@@ -1750,7 +1749,7 @@
           <p:cNvPr id="6" name="Content Placeholder 5">
             <a:extLst>
               <a:ext uri="{FF2B5EF4-FFF2-40B4-BE49-F238E27FC236}">
-                <a16:creationId xmlns:a16="http://schemas.microsoft.com/office/drawing/2014/main" id="{14C7266C-4F95-4B63-B8A4-5D430A6FCB51}"/>
+                <a16:creationId xmlns:a16="http://schemas.microsoft.com/office/drawing/2014/main" xmlns="" id="{14C7266C-4F95-4B63-B8A4-5D430A6FCB51}"/>
               </a:ext>
             </a:extLst>
           </p:cNvPr>
@@ -1813,7 +1812,7 @@
           <p:cNvPr id="7" name="Date Placeholder 6">
             <a:extLst>
               <a:ext uri="{FF2B5EF4-FFF2-40B4-BE49-F238E27FC236}">
-                <a16:creationId xmlns:a16="http://schemas.microsoft.com/office/drawing/2014/main" id="{8DA605C0-AC58-49C3-BFDA-E7ADCFC7B8CA}"/>
+                <a16:creationId xmlns:a16="http://schemas.microsoft.com/office/drawing/2014/main" xmlns="" id="{8DA605C0-AC58-49C3-BFDA-E7ADCFC7B8CA}"/>
               </a:ext>
             </a:extLst>
           </p:cNvPr>
@@ -1831,7 +1830,7 @@
           <a:p>
             <a:fld id="{1661375A-C223-44C8-917C-F7C3A1BCD50F}" type="datetimeFigureOut">
               <a:rPr lang="en-GB" smtClean="0"/>
-              <a:t>04/08/2018</a:t>
+              <a:t>29/11/2019</a:t>
             </a:fld>
             <a:endParaRPr lang="en-GB"/>
           </a:p>
@@ -1842,7 +1841,7 @@
           <p:cNvPr id="8" name="Footer Placeholder 7">
             <a:extLst>
               <a:ext uri="{FF2B5EF4-FFF2-40B4-BE49-F238E27FC236}">
-                <a16:creationId xmlns:a16="http://schemas.microsoft.com/office/drawing/2014/main" id="{A8CDB99B-8E2F-47DA-B6C3-50842D8C3DD2}"/>
+                <a16:creationId xmlns:a16="http://schemas.microsoft.com/office/drawing/2014/main" xmlns="" id="{A8CDB99B-8E2F-47DA-B6C3-50842D8C3DD2}"/>
               </a:ext>
             </a:extLst>
           </p:cNvPr>
@@ -1867,7 +1866,7 @@
           <p:cNvPr id="9" name="Slide Number Placeholder 8">
             <a:extLst>
               <a:ext uri="{FF2B5EF4-FFF2-40B4-BE49-F238E27FC236}">
-                <a16:creationId xmlns:a16="http://schemas.microsoft.com/office/drawing/2014/main" id="{900ACA83-753D-4AEE-B568-755DCF5ED7F7}"/>
+                <a16:creationId xmlns:a16="http://schemas.microsoft.com/office/drawing/2014/main" xmlns="" id="{900ACA83-753D-4AEE-B568-755DCF5ED7F7}"/>
               </a:ext>
             </a:extLst>
           </p:cNvPr>
@@ -1926,7 +1925,7 @@
           <p:cNvPr id="2" name="Title 1">
             <a:extLst>
               <a:ext uri="{FF2B5EF4-FFF2-40B4-BE49-F238E27FC236}">
-                <a16:creationId xmlns:a16="http://schemas.microsoft.com/office/drawing/2014/main" id="{80738EDC-8D44-427B-90E0-FBD0FBAC9691}"/>
+                <a16:creationId xmlns:a16="http://schemas.microsoft.com/office/drawing/2014/main" xmlns="" id="{80738EDC-8D44-427B-90E0-FBD0FBAC9691}"/>
               </a:ext>
             </a:extLst>
           </p:cNvPr>
@@ -1955,7 +1954,7 @@
           <p:cNvPr id="3" name="Date Placeholder 2">
             <a:extLst>
               <a:ext uri="{FF2B5EF4-FFF2-40B4-BE49-F238E27FC236}">
-                <a16:creationId xmlns:a16="http://schemas.microsoft.com/office/drawing/2014/main" id="{A8AE544B-A36F-473A-86AF-50F02429182D}"/>
+                <a16:creationId xmlns:a16="http://schemas.microsoft.com/office/drawing/2014/main" xmlns="" id="{A8AE544B-A36F-473A-86AF-50F02429182D}"/>
               </a:ext>
             </a:extLst>
           </p:cNvPr>
@@ -1973,7 +1972,7 @@
           <a:p>
             <a:fld id="{1661375A-C223-44C8-917C-F7C3A1BCD50F}" type="datetimeFigureOut">
               <a:rPr lang="en-GB" smtClean="0"/>
-              <a:t>04/08/2018</a:t>
+              <a:t>29/11/2019</a:t>
             </a:fld>
             <a:endParaRPr lang="en-GB"/>
           </a:p>
@@ -1984,7 +1983,7 @@
           <p:cNvPr id="4" name="Footer Placeholder 3">
             <a:extLst>
               <a:ext uri="{FF2B5EF4-FFF2-40B4-BE49-F238E27FC236}">
-                <a16:creationId xmlns:a16="http://schemas.microsoft.com/office/drawing/2014/main" id="{3E6F2748-531A-4318-A370-27EDE490E8C2}"/>
+                <a16:creationId xmlns:a16="http://schemas.microsoft.com/office/drawing/2014/main" xmlns="" id="{3E6F2748-531A-4318-A370-27EDE490E8C2}"/>
               </a:ext>
             </a:extLst>
           </p:cNvPr>
@@ -2009,7 +2008,7 @@
           <p:cNvPr id="5" name="Slide Number Placeholder 4">
             <a:extLst>
               <a:ext uri="{FF2B5EF4-FFF2-40B4-BE49-F238E27FC236}">
-                <a16:creationId xmlns:a16="http://schemas.microsoft.com/office/drawing/2014/main" id="{A5AD6E57-F20B-43D2-A268-2449E7D4ADF8}"/>
+                <a16:creationId xmlns:a16="http://schemas.microsoft.com/office/drawing/2014/main" xmlns="" id="{A5AD6E57-F20B-43D2-A268-2449E7D4ADF8}"/>
               </a:ext>
             </a:extLst>
           </p:cNvPr>
@@ -2068,7 +2067,7 @@
           <p:cNvPr id="2" name="Date Placeholder 1">
             <a:extLst>
               <a:ext uri="{FF2B5EF4-FFF2-40B4-BE49-F238E27FC236}">
-                <a16:creationId xmlns:a16="http://schemas.microsoft.com/office/drawing/2014/main" id="{CCEC2F6E-BB8D-4A07-B873-A379FEAE4F53}"/>
+                <a16:creationId xmlns:a16="http://schemas.microsoft.com/office/drawing/2014/main" xmlns="" id="{CCEC2F6E-BB8D-4A07-B873-A379FEAE4F53}"/>
               </a:ext>
             </a:extLst>
           </p:cNvPr>
@@ -2086,7 +2085,7 @@
           <a:p>
             <a:fld id="{1661375A-C223-44C8-917C-F7C3A1BCD50F}" type="datetimeFigureOut">
               <a:rPr lang="en-GB" smtClean="0"/>
-              <a:t>04/08/2018</a:t>
+              <a:t>29/11/2019</a:t>
             </a:fld>
             <a:endParaRPr lang="en-GB"/>
           </a:p>
@@ -2097,7 +2096,7 @@
           <p:cNvPr id="3" name="Footer Placeholder 2">
             <a:extLst>
               <a:ext uri="{FF2B5EF4-FFF2-40B4-BE49-F238E27FC236}">
-                <a16:creationId xmlns:a16="http://schemas.microsoft.com/office/drawing/2014/main" id="{29C64672-2E28-45BB-AB1E-9CA10E90883B}"/>
+                <a16:creationId xmlns:a16="http://schemas.microsoft.com/office/drawing/2014/main" xmlns="" id="{29C64672-2E28-45BB-AB1E-9CA10E90883B}"/>
               </a:ext>
             </a:extLst>
           </p:cNvPr>
@@ -2122,7 +2121,7 @@
           <p:cNvPr id="4" name="Slide Number Placeholder 3">
             <a:extLst>
               <a:ext uri="{FF2B5EF4-FFF2-40B4-BE49-F238E27FC236}">
-                <a16:creationId xmlns:a16="http://schemas.microsoft.com/office/drawing/2014/main" id="{433CCF35-5028-4E4D-8F6E-2E2DF0FB4299}"/>
+                <a16:creationId xmlns:a16="http://schemas.microsoft.com/office/drawing/2014/main" xmlns="" id="{433CCF35-5028-4E4D-8F6E-2E2DF0FB4299}"/>
               </a:ext>
             </a:extLst>
           </p:cNvPr>
@@ -2181,7 +2180,7 @@
           <p:cNvPr id="2" name="Title 1">
             <a:extLst>
               <a:ext uri="{FF2B5EF4-FFF2-40B4-BE49-F238E27FC236}">
-                <a16:creationId xmlns:a16="http://schemas.microsoft.com/office/drawing/2014/main" id="{4760471D-7A64-4A50-B9A6-0F3A78088AB3}"/>
+                <a16:creationId xmlns:a16="http://schemas.microsoft.com/office/drawing/2014/main" xmlns="" id="{4760471D-7A64-4A50-B9A6-0F3A78088AB3}"/>
               </a:ext>
             </a:extLst>
           </p:cNvPr>
@@ -2219,7 +2218,7 @@
           <p:cNvPr id="3" name="Content Placeholder 2">
             <a:extLst>
               <a:ext uri="{FF2B5EF4-FFF2-40B4-BE49-F238E27FC236}">
-                <a16:creationId xmlns:a16="http://schemas.microsoft.com/office/drawing/2014/main" id="{C16427B1-871E-4C56-AF97-3F78ADBFA9C8}"/>
+                <a16:creationId xmlns:a16="http://schemas.microsoft.com/office/drawing/2014/main" xmlns="" id="{C16427B1-871E-4C56-AF97-3F78ADBFA9C8}"/>
               </a:ext>
             </a:extLst>
           </p:cNvPr>
@@ -2310,7 +2309,7 @@
           <p:cNvPr id="4" name="Text Placeholder 3">
             <a:extLst>
               <a:ext uri="{FF2B5EF4-FFF2-40B4-BE49-F238E27FC236}">
-                <a16:creationId xmlns:a16="http://schemas.microsoft.com/office/drawing/2014/main" id="{6CF52702-EC0A-4FBA-9939-DCF10E412D80}"/>
+                <a16:creationId xmlns:a16="http://schemas.microsoft.com/office/drawing/2014/main" xmlns="" id="{6CF52702-EC0A-4FBA-9939-DCF10E412D80}"/>
               </a:ext>
             </a:extLst>
           </p:cNvPr>
@@ -2381,7 +2380,7 @@
           <p:cNvPr id="5" name="Date Placeholder 4">
             <a:extLst>
               <a:ext uri="{FF2B5EF4-FFF2-40B4-BE49-F238E27FC236}">
-                <a16:creationId xmlns:a16="http://schemas.microsoft.com/office/drawing/2014/main" id="{A1EDDBB8-93FE-4585-A97D-0E391EE246F7}"/>
+                <a16:creationId xmlns:a16="http://schemas.microsoft.com/office/drawing/2014/main" xmlns="" id="{A1EDDBB8-93FE-4585-A97D-0E391EE246F7}"/>
               </a:ext>
             </a:extLst>
           </p:cNvPr>
@@ -2399,7 +2398,7 @@
           <a:p>
             <a:fld id="{1661375A-C223-44C8-917C-F7C3A1BCD50F}" type="datetimeFigureOut">
               <a:rPr lang="en-GB" smtClean="0"/>
-              <a:t>04/08/2018</a:t>
+              <a:t>29/11/2019</a:t>
             </a:fld>
             <a:endParaRPr lang="en-GB"/>
           </a:p>
@@ -2410,7 +2409,7 @@
           <p:cNvPr id="6" name="Footer Placeholder 5">
             <a:extLst>
               <a:ext uri="{FF2B5EF4-FFF2-40B4-BE49-F238E27FC236}">
-                <a16:creationId xmlns:a16="http://schemas.microsoft.com/office/drawing/2014/main" id="{2CB77A2A-D97D-4B06-A029-77A3A88DA3E4}"/>
+                <a16:creationId xmlns:a16="http://schemas.microsoft.com/office/drawing/2014/main" xmlns="" id="{2CB77A2A-D97D-4B06-A029-77A3A88DA3E4}"/>
               </a:ext>
             </a:extLst>
           </p:cNvPr>
@@ -2435,7 +2434,7 @@
           <p:cNvPr id="7" name="Slide Number Placeholder 6">
             <a:extLst>
               <a:ext uri="{FF2B5EF4-FFF2-40B4-BE49-F238E27FC236}">
-                <a16:creationId xmlns:a16="http://schemas.microsoft.com/office/drawing/2014/main" id="{9BF4E011-48A8-486A-BF53-E7C085173F29}"/>
+                <a16:creationId xmlns:a16="http://schemas.microsoft.com/office/drawing/2014/main" xmlns="" id="{9BF4E011-48A8-486A-BF53-E7C085173F29}"/>
               </a:ext>
             </a:extLst>
           </p:cNvPr>
@@ -2494,7 +2493,7 @@
           <p:cNvPr id="2" name="Title 1">
             <a:extLst>
               <a:ext uri="{FF2B5EF4-FFF2-40B4-BE49-F238E27FC236}">
-                <a16:creationId xmlns:a16="http://schemas.microsoft.com/office/drawing/2014/main" id="{C8EA2B76-0D50-4AE7-8E70-B69B2F112A49}"/>
+                <a16:creationId xmlns:a16="http://schemas.microsoft.com/office/drawing/2014/main" xmlns="" id="{C8EA2B76-0D50-4AE7-8E70-B69B2F112A49}"/>
               </a:ext>
             </a:extLst>
           </p:cNvPr>
@@ -2532,7 +2531,7 @@
           <p:cNvPr id="3" name="Picture Placeholder 2">
             <a:extLst>
               <a:ext uri="{FF2B5EF4-FFF2-40B4-BE49-F238E27FC236}">
-                <a16:creationId xmlns:a16="http://schemas.microsoft.com/office/drawing/2014/main" id="{6E700288-1A1C-45A8-B99A-68E661D708A9}"/>
+                <a16:creationId xmlns:a16="http://schemas.microsoft.com/office/drawing/2014/main" xmlns="" id="{6E700288-1A1C-45A8-B99A-68E661D708A9}"/>
               </a:ext>
             </a:extLst>
           </p:cNvPr>
@@ -2599,7 +2598,7 @@
           <p:cNvPr id="4" name="Text Placeholder 3">
             <a:extLst>
               <a:ext uri="{FF2B5EF4-FFF2-40B4-BE49-F238E27FC236}">
-                <a16:creationId xmlns:a16="http://schemas.microsoft.com/office/drawing/2014/main" id="{C8D19D42-4449-4938-BE9F-F8A026382E85}"/>
+                <a16:creationId xmlns:a16="http://schemas.microsoft.com/office/drawing/2014/main" xmlns="" id="{C8D19D42-4449-4938-BE9F-F8A026382E85}"/>
               </a:ext>
             </a:extLst>
           </p:cNvPr>
@@ -2670,7 +2669,7 @@
           <p:cNvPr id="5" name="Date Placeholder 4">
             <a:extLst>
               <a:ext uri="{FF2B5EF4-FFF2-40B4-BE49-F238E27FC236}">
-                <a16:creationId xmlns:a16="http://schemas.microsoft.com/office/drawing/2014/main" id="{715CB693-3AD5-4FB5-9BD7-DDA6EA895AA0}"/>
+                <a16:creationId xmlns:a16="http://schemas.microsoft.com/office/drawing/2014/main" xmlns="" id="{715CB693-3AD5-4FB5-9BD7-DDA6EA895AA0}"/>
               </a:ext>
             </a:extLst>
           </p:cNvPr>
@@ -2688,7 +2687,7 @@
           <a:p>
             <a:fld id="{1661375A-C223-44C8-917C-F7C3A1BCD50F}" type="datetimeFigureOut">
               <a:rPr lang="en-GB" smtClean="0"/>
-              <a:t>04/08/2018</a:t>
+              <a:t>29/11/2019</a:t>
             </a:fld>
             <a:endParaRPr lang="en-GB"/>
           </a:p>
@@ -2699,7 +2698,7 @@
           <p:cNvPr id="6" name="Footer Placeholder 5">
             <a:extLst>
               <a:ext uri="{FF2B5EF4-FFF2-40B4-BE49-F238E27FC236}">
-                <a16:creationId xmlns:a16="http://schemas.microsoft.com/office/drawing/2014/main" id="{BB28CAAB-378F-4646-836D-6723AF22695B}"/>
+                <a16:creationId xmlns:a16="http://schemas.microsoft.com/office/drawing/2014/main" xmlns="" id="{BB28CAAB-378F-4646-836D-6723AF22695B}"/>
               </a:ext>
             </a:extLst>
           </p:cNvPr>
@@ -2724,7 +2723,7 @@
           <p:cNvPr id="7" name="Slide Number Placeholder 6">
             <a:extLst>
               <a:ext uri="{FF2B5EF4-FFF2-40B4-BE49-F238E27FC236}">
-                <a16:creationId xmlns:a16="http://schemas.microsoft.com/office/drawing/2014/main" id="{E08A5F22-2F00-4B7E-95E3-D4E37EE6F9BD}"/>
+                <a16:creationId xmlns:a16="http://schemas.microsoft.com/office/drawing/2014/main" xmlns="" id="{E08A5F22-2F00-4B7E-95E3-D4E37EE6F9BD}"/>
               </a:ext>
             </a:extLst>
           </p:cNvPr>
@@ -2788,7 +2787,7 @@
           <p:cNvPr id="2" name="Title Placeholder 1">
             <a:extLst>
               <a:ext uri="{FF2B5EF4-FFF2-40B4-BE49-F238E27FC236}">
-                <a16:creationId xmlns:a16="http://schemas.microsoft.com/office/drawing/2014/main" id="{EC73493B-E27E-4DC0-A41A-7E254FDDD4F9}"/>
+                <a16:creationId xmlns:a16="http://schemas.microsoft.com/office/drawing/2014/main" xmlns="" id="{EC73493B-E27E-4DC0-A41A-7E254FDDD4F9}"/>
               </a:ext>
             </a:extLst>
           </p:cNvPr>
@@ -2827,7 +2826,7 @@
           <p:cNvPr id="3" name="Text Placeholder 2">
             <a:extLst>
               <a:ext uri="{FF2B5EF4-FFF2-40B4-BE49-F238E27FC236}">
-                <a16:creationId xmlns:a16="http://schemas.microsoft.com/office/drawing/2014/main" id="{6B619A8B-408B-4DCB-AC39-AC640BF8562E}"/>
+                <a16:creationId xmlns:a16="http://schemas.microsoft.com/office/drawing/2014/main" xmlns="" id="{6B619A8B-408B-4DCB-AC39-AC640BF8562E}"/>
               </a:ext>
             </a:extLst>
           </p:cNvPr>
@@ -2895,7 +2894,7 @@
           <p:cNvPr id="4" name="Date Placeholder 3">
             <a:extLst>
               <a:ext uri="{FF2B5EF4-FFF2-40B4-BE49-F238E27FC236}">
-                <a16:creationId xmlns:a16="http://schemas.microsoft.com/office/drawing/2014/main" id="{A4A87CC5-FBB1-4FE5-893F-7BD071C75E09}"/>
+                <a16:creationId xmlns:a16="http://schemas.microsoft.com/office/drawing/2014/main" xmlns="" id="{A4A87CC5-FBB1-4FE5-893F-7BD071C75E09}"/>
               </a:ext>
             </a:extLst>
           </p:cNvPr>
@@ -2931,7 +2930,7 @@
           <a:p>
             <a:fld id="{1661375A-C223-44C8-917C-F7C3A1BCD50F}" type="datetimeFigureOut">
               <a:rPr lang="en-GB" smtClean="0"/>
-              <a:t>04/08/2018</a:t>
+              <a:t>29/11/2019</a:t>
             </a:fld>
             <a:endParaRPr lang="en-GB"/>
           </a:p>
@@ -2942,7 +2941,7 @@
           <p:cNvPr id="5" name="Footer Placeholder 4">
             <a:extLst>
               <a:ext uri="{FF2B5EF4-FFF2-40B4-BE49-F238E27FC236}">
-                <a16:creationId xmlns:a16="http://schemas.microsoft.com/office/drawing/2014/main" id="{068E1BCB-E2F2-4D1B-BCFC-521169C8EA83}"/>
+                <a16:creationId xmlns:a16="http://schemas.microsoft.com/office/drawing/2014/main" xmlns="" id="{068E1BCB-E2F2-4D1B-BCFC-521169C8EA83}"/>
               </a:ext>
             </a:extLst>
           </p:cNvPr>
@@ -2985,7 +2984,7 @@
           <p:cNvPr id="6" name="Slide Number Placeholder 5">
             <a:extLst>
               <a:ext uri="{FF2B5EF4-FFF2-40B4-BE49-F238E27FC236}">
-                <a16:creationId xmlns:a16="http://schemas.microsoft.com/office/drawing/2014/main" id="{E111173B-B48E-4DCF-8715-580539054913}"/>
+                <a16:creationId xmlns:a16="http://schemas.microsoft.com/office/drawing/2014/main" xmlns="" id="{E111173B-B48E-4DCF-8715-580539054913}"/>
               </a:ext>
             </a:extLst>
           </p:cNvPr>
@@ -3361,7 +3360,7 @@
           <p:cNvPr id="19" name="Oval 18">
             <a:extLst>
               <a:ext uri="{FF2B5EF4-FFF2-40B4-BE49-F238E27FC236}">
-                <a16:creationId xmlns:a16="http://schemas.microsoft.com/office/drawing/2014/main" id="{CE75301D-8D72-4138-8F5D-E9E34FB49D51}"/>
+                <a16:creationId xmlns:a16="http://schemas.microsoft.com/office/drawing/2014/main" xmlns="" id="{CE75301D-8D72-4138-8F5D-E9E34FB49D51}"/>
               </a:ext>
             </a:extLst>
           </p:cNvPr>
@@ -3444,7 +3443,7 @@
           <p:cNvPr id="2" name="TextBox 1">
             <a:extLst>
               <a:ext uri="{FF2B5EF4-FFF2-40B4-BE49-F238E27FC236}">
-                <a16:creationId xmlns:a16="http://schemas.microsoft.com/office/drawing/2014/main" id="{DB0A9C50-B290-4C30-A65A-9D7AB111D154}"/>
+                <a16:creationId xmlns:a16="http://schemas.microsoft.com/office/drawing/2014/main" xmlns="" id="{DB0A9C50-B290-4C30-A65A-9D7AB111D154}"/>
               </a:ext>
             </a:extLst>
           </p:cNvPr>
@@ -3453,7 +3452,7 @@
         </p:nvSpPr>
         <p:spPr>
           <a:xfrm>
-            <a:off x="664809" y="639846"/>
+            <a:off x="4072765" y="247431"/>
             <a:ext cx="4343400" cy="784830"/>
           </a:xfrm>
           <a:prstGeom prst="rect">
@@ -3485,7 +3484,7 @@
               <a:defRPr/>
             </a:pPr>
             <a:r>
-              <a:rPr kumimoji="0" lang="en-US" sz="4500" b="0" i="0" u="none" strike="noStrike" kern="1200" cap="none" spc="0" normalizeH="0" baseline="0" noProof="0" dirty="0">
+              <a:rPr kumimoji="0" lang="en-US" sz="4500" b="0" i="0" u="none" strike="noStrike" kern="1200" cap="none" spc="0" normalizeH="0" baseline="0" noProof="0" dirty="0" smtClean="0">
                 <a:ln>
                   <a:noFill/>
                 </a:ln>
@@ -3499,7 +3498,7 @@
                 <a:ea typeface="Noto Sans" panose="020B0502040504020204" pitchFamily="34"/>
                 <a:cs typeface="Noto Sans" panose="020B0502040504020204" pitchFamily="34"/>
               </a:rPr>
-              <a:t>Desktop Device</a:t>
+              <a:t>Myself</a:t>
             </a:r>
             <a:endParaRPr kumimoji="0" lang="en-GB" sz="4500" b="0" i="0" u="none" strike="noStrike" kern="1200" cap="none" spc="0" normalizeH="0" baseline="0" noProof="0" dirty="0">
               <a:ln>
@@ -3515,71 +3514,6 @@
               <a:ea typeface="Noto Sans" panose="020B0502040504020204" pitchFamily="34"/>
               <a:cs typeface="Noto Sans" panose="020B0502040504020204" pitchFamily="34"/>
             </a:endParaRPr>
-          </a:p>
-        </p:txBody>
-      </p:sp>
-      <p:sp>
-        <p:nvSpPr>
-          <p:cNvPr id="10" name="TextBox 9">
-            <a:extLst>
-              <a:ext uri="{FF2B5EF4-FFF2-40B4-BE49-F238E27FC236}">
-                <a16:creationId xmlns:a16="http://schemas.microsoft.com/office/drawing/2014/main" id="{68EB6B5D-84A6-4EA6-9AB4-A42F13EA240B}"/>
-              </a:ext>
-            </a:extLst>
-          </p:cNvPr>
-          <p:cNvSpPr txBox="1"/>
-          <p:nvPr/>
-        </p:nvSpPr>
-        <p:spPr>
-          <a:xfrm>
-            <a:off x="808460" y="1490418"/>
-            <a:ext cx="4056098" cy="400110"/>
-          </a:xfrm>
-          <a:prstGeom prst="rect">
-            <a:avLst/>
-          </a:prstGeom>
-          <a:noFill/>
-        </p:spPr>
-        <p:txBody>
-          <a:bodyPr wrap="square" rtlCol="0">
-            <a:spAutoFit/>
-          </a:bodyPr>
-          <a:lstStyle/>
-          <a:p>
-            <a:pPr marL="0" marR="0" lvl="0" indent="0" algn="ctr" defTabSz="914400" rtl="0" eaLnBrk="1" fontAlgn="auto" latinLnBrk="0" hangingPunct="1">
-              <a:lnSpc>
-                <a:spcPct val="100000"/>
-              </a:lnSpc>
-              <a:spcBef>
-                <a:spcPts val="0"/>
-              </a:spcBef>
-              <a:spcAft>
-                <a:spcPts val="0"/>
-              </a:spcAft>
-              <a:buClrTx/>
-              <a:buSzTx/>
-              <a:buFontTx/>
-              <a:buNone/>
-              <a:tabLst/>
-              <a:defRPr/>
-            </a:pPr>
-            <a:r>
-              <a:rPr kumimoji="0" lang="en-GB" sz="2000" b="0" i="0" u="none" strike="noStrike" kern="1200" cap="none" spc="0" normalizeH="0" baseline="0" noProof="0" dirty="0">
-                <a:ln>
-                  <a:noFill/>
-                </a:ln>
-                <a:solidFill>
-                  <a:srgbClr val="FFFFFF"/>
-                </a:solidFill>
-                <a:effectLst/>
-                <a:uLnTx/>
-                <a:uFillTx/>
-                <a:latin typeface="Noto Sans" panose="020B0502040504020204" pitchFamily="34"/>
-                <a:ea typeface="Noto Sans" panose="020B0502040504020204" pitchFamily="34"/>
-                <a:cs typeface="Noto Sans" panose="020B0502040504020204" pitchFamily="34"/>
-              </a:rPr>
-              <a:t>Your subtitle text here</a:t>
-            </a:r>
           </a:p>
         </p:txBody>
       </p:sp>
@@ -4696,7 +4630,7 @@
           <p:cNvPr id="35" name="TextBox 34">
             <a:extLst>
               <a:ext uri="{FF2B5EF4-FFF2-40B4-BE49-F238E27FC236}">
-                <a16:creationId xmlns:a16="http://schemas.microsoft.com/office/drawing/2014/main" id="{68EB6B5D-84A6-4EA6-9AB4-A42F13EA240B}"/>
+                <a16:creationId xmlns:a16="http://schemas.microsoft.com/office/drawing/2014/main" xmlns="" id="{68EB6B5D-84A6-4EA6-9AB4-A42F13EA240B}"/>
               </a:ext>
             </a:extLst>
           </p:cNvPr>
@@ -4758,10 +4692,10 @@
       </p:sp>
       <p:sp>
         <p:nvSpPr>
-          <p:cNvPr id="36" name="TextBox 35">
-            <a:extLst>
-              <a:ext uri="{FF2B5EF4-FFF2-40B4-BE49-F238E27FC236}">
-                <a16:creationId xmlns:a16="http://schemas.microsoft.com/office/drawing/2014/main" id="{E7271DE3-81E9-4A7A-B4EE-C234FD7D4946}"/>
+          <p:cNvPr id="13" name="TextBox 12">
+            <a:extLst>
+              <a:ext uri="{FF2B5EF4-FFF2-40B4-BE49-F238E27FC236}">
+                <a16:creationId xmlns:a16="http://schemas.microsoft.com/office/drawing/2014/main" xmlns="" id="{8016977A-112F-4154-95F5-0608714FBFEE}"/>
               </a:ext>
             </a:extLst>
           </p:cNvPr>
@@ -4770,8 +4704,8 @@
         </p:nvSpPr>
         <p:spPr>
           <a:xfrm>
-            <a:off x="2179602" y="6349245"/>
-            <a:ext cx="8453158" cy="369332"/>
+            <a:off x="1255992" y="1208855"/>
+            <a:ext cx="3271377" cy="784830"/>
           </a:xfrm>
           <a:prstGeom prst="rect">
             <a:avLst/>
@@ -4784,7 +4718,7 @@
           </a:bodyPr>
           <a:lstStyle/>
           <a:p>
-            <a:pPr marL="0" marR="0" lvl="0" indent="0" algn="ctr" defTabSz="914400" rtl="0" eaLnBrk="1" fontAlgn="auto" latinLnBrk="0" hangingPunct="1">
+            <a:pPr marL="0" marR="0" lvl="0" indent="0" defTabSz="914400" rtl="0" eaLnBrk="1" fontAlgn="auto" latinLnBrk="0" hangingPunct="1">
               <a:lnSpc>
                 <a:spcPct val="100000"/>
               </a:lnSpc>
@@ -4802,72 +4736,7 @@
               <a:defRPr/>
             </a:pPr>
             <a:r>
-              <a:rPr kumimoji="0" lang="en-GB" sz="1800" b="0" i="0" u="none" strike="noStrike" kern="1200" cap="none" spc="0" normalizeH="0" baseline="0" noProof="0" dirty="0">
-                <a:ln>
-                  <a:noFill/>
-                </a:ln>
-                <a:solidFill>
-                  <a:srgbClr val="FFFFFF"/>
-                </a:solidFill>
-                <a:effectLst/>
-                <a:uLnTx/>
-                <a:uFillTx/>
-                <a:latin typeface="Noto Sans" panose="020B0502040504020204" pitchFamily="34"/>
-                <a:ea typeface="Noto Sans" panose="020B0502040504020204" pitchFamily="34"/>
-                <a:cs typeface="Noto Sans" panose="020B0502040504020204" pitchFamily="34"/>
-              </a:rPr>
-              <a:t>www.yourwebsite.com</a:t>
-            </a:r>
-          </a:p>
-        </p:txBody>
-      </p:sp>
-      <p:sp>
-        <p:nvSpPr>
-          <p:cNvPr id="13" name="TextBox 12">
-            <a:extLst>
-              <a:ext uri="{FF2B5EF4-FFF2-40B4-BE49-F238E27FC236}">
-                <a16:creationId xmlns:a16="http://schemas.microsoft.com/office/drawing/2014/main" id="{8016977A-112F-4154-95F5-0608714FBFEE}"/>
-              </a:ext>
-            </a:extLst>
-          </p:cNvPr>
-          <p:cNvSpPr txBox="1"/>
-          <p:nvPr/>
-        </p:nvSpPr>
-        <p:spPr>
-          <a:xfrm>
-            <a:off x="1461829" y="2335065"/>
-            <a:ext cx="3271377" cy="784830"/>
-          </a:xfrm>
-          <a:prstGeom prst="rect">
-            <a:avLst/>
-          </a:prstGeom>
-          <a:noFill/>
-        </p:spPr>
-        <p:txBody>
-          <a:bodyPr wrap="square" rtlCol="0">
-            <a:spAutoFit/>
-          </a:bodyPr>
-          <a:lstStyle/>
-          <a:p>
-            <a:pPr marL="0" marR="0" lvl="0" indent="0" algn="just" defTabSz="914400" rtl="0" eaLnBrk="1" fontAlgn="auto" latinLnBrk="0" hangingPunct="1">
-              <a:lnSpc>
-                <a:spcPct val="100000"/>
-              </a:lnSpc>
-              <a:spcBef>
-                <a:spcPts val="0"/>
-              </a:spcBef>
-              <a:spcAft>
-                <a:spcPts val="0"/>
-              </a:spcAft>
-              <a:buClrTx/>
-              <a:buSzTx/>
-              <a:buFontTx/>
-              <a:buNone/>
-              <a:tabLst/>
-              <a:defRPr/>
-            </a:pPr>
-            <a:r>
-              <a:rPr kumimoji="0" lang="en-US" sz="1500" b="0" i="0" u="none" strike="noStrike" kern="1200" cap="none" spc="0" normalizeH="0" baseline="0" noProof="0" dirty="0">
+              <a:rPr kumimoji="0" lang="en-US" sz="1500" b="1" i="0" u="none" strike="noStrike" kern="1200" cap="none" spc="0" normalizeH="0" baseline="0" noProof="0" dirty="0" smtClean="0">
                 <a:ln>
                   <a:noFill/>
                 </a:ln>
@@ -4878,12 +4747,10 @@
                 <a:uLnTx/>
                 <a:uFillTx/>
                 <a:latin typeface="Open Sans" panose="020B0606030504020204" pitchFamily="34" charset="0"/>
-                <a:ea typeface="+mn-ea"/>
-                <a:cs typeface="+mn-cs"/>
               </a:rPr>
-              <a:t>Lorem Ipsum is simply dummy text of the printing and typesetting industry. </a:t>
-            </a:r>
-            <a:endParaRPr kumimoji="0" lang="en-GB" sz="1500" b="0" i="0" u="none" strike="noStrike" kern="1200" cap="none" spc="0" normalizeH="0" baseline="0" noProof="0" dirty="0">
+              <a:t>Over 15 years of experience as Enterprise Architect and Data Scientist</a:t>
+            </a:r>
+            <a:endParaRPr kumimoji="0" lang="en-GB" sz="1500" b="1" i="0" u="none" strike="noStrike" kern="1200" cap="none" spc="0" normalizeH="0" baseline="0" noProof="0" dirty="0">
               <a:ln>
                 <a:noFill/>
               </a:ln>
@@ -4905,7 +4772,7 @@
           <p:cNvPr id="14" name="TextBox 13">
             <a:extLst>
               <a:ext uri="{FF2B5EF4-FFF2-40B4-BE49-F238E27FC236}">
-                <a16:creationId xmlns:a16="http://schemas.microsoft.com/office/drawing/2014/main" id="{8016977A-112F-4154-95F5-0608714FBFEE}"/>
+                <a16:creationId xmlns:a16="http://schemas.microsoft.com/office/drawing/2014/main" xmlns="" id="{8016977A-112F-4154-95F5-0608714FBFEE}"/>
               </a:ext>
             </a:extLst>
           </p:cNvPr>
@@ -4914,8 +4781,8 @@
         </p:nvSpPr>
         <p:spPr>
           <a:xfrm>
-            <a:off x="1461829" y="3592365"/>
-            <a:ext cx="3271377" cy="784830"/>
+            <a:off x="1255992" y="2466155"/>
+            <a:ext cx="3271377" cy="553998"/>
           </a:xfrm>
           <a:prstGeom prst="rect">
             <a:avLst/>
@@ -4928,7 +4795,7 @@
           </a:bodyPr>
           <a:lstStyle/>
           <a:p>
-            <a:pPr marL="0" marR="0" lvl="0" indent="0" algn="just" defTabSz="914400" rtl="0" eaLnBrk="1" fontAlgn="auto" latinLnBrk="0" hangingPunct="1">
+            <a:pPr marL="0" marR="0" lvl="0" indent="0" defTabSz="914400" rtl="0" eaLnBrk="1" fontAlgn="auto" latinLnBrk="0" hangingPunct="1">
               <a:lnSpc>
                 <a:spcPct val="100000"/>
               </a:lnSpc>
@@ -4946,7 +4813,7 @@
               <a:defRPr/>
             </a:pPr>
             <a:r>
-              <a:rPr kumimoji="0" lang="en-US" sz="1500" b="0" i="0" u="none" strike="noStrike" kern="1200" cap="none" spc="0" normalizeH="0" baseline="0" noProof="0" dirty="0">
+              <a:rPr kumimoji="0" lang="en-US" sz="1500" b="1" i="0" u="none" strike="noStrike" kern="1200" cap="none" spc="0" normalizeH="0" baseline="0" noProof="0" dirty="0" smtClean="0">
                 <a:ln>
                   <a:noFill/>
                 </a:ln>
@@ -4957,12 +4824,40 @@
                 <a:uLnTx/>
                 <a:uFillTx/>
                 <a:latin typeface="Open Sans" panose="020B0606030504020204" pitchFamily="34" charset="0"/>
-                <a:ea typeface="+mn-ea"/>
-                <a:cs typeface="+mn-cs"/>
               </a:rPr>
-              <a:t>Lorem Ipsum is simply dummy text of the printing and typesetting industry. </a:t>
-            </a:r>
-            <a:endParaRPr kumimoji="0" lang="en-GB" sz="1500" b="0" i="0" u="none" strike="noStrike" kern="1200" cap="none" spc="0" normalizeH="0" baseline="0" noProof="0" dirty="0">
+              <a:t>Post</a:t>
+            </a:r>
+            <a:r>
+              <a:rPr kumimoji="0" lang="en-US" sz="1500" b="1" i="0" u="none" strike="noStrike" kern="1200" cap="none" spc="0" normalizeH="0" noProof="0" dirty="0" smtClean="0">
+                <a:ln>
+                  <a:noFill/>
+                </a:ln>
+                <a:solidFill>
+                  <a:srgbClr val="FFFFFF"/>
+                </a:solidFill>
+                <a:effectLst/>
+                <a:uLnTx/>
+                <a:uFillTx/>
+                <a:latin typeface="Open Sans" panose="020B0606030504020204" pitchFamily="34" charset="0"/>
+              </a:rPr>
+              <a:t> </a:t>
+            </a:r>
+            <a:r>
+              <a:rPr kumimoji="0" lang="en-US" sz="1500" b="1" i="0" u="none" strike="noStrike" kern="1200" cap="none" spc="0" normalizeH="0" baseline="0" noProof="0" dirty="0" smtClean="0">
+                <a:ln>
+                  <a:noFill/>
+                </a:ln>
+                <a:solidFill>
+                  <a:srgbClr val="FFFFFF"/>
+                </a:solidFill>
+                <a:effectLst/>
+                <a:uLnTx/>
+                <a:uFillTx/>
+                <a:latin typeface="Open Sans" panose="020B0606030504020204" pitchFamily="34" charset="0"/>
+              </a:rPr>
+              <a:t>graduation in Computer science. </a:t>
+            </a:r>
+            <a:endParaRPr kumimoji="0" lang="en-GB" sz="1500" b="1" i="0" u="none" strike="noStrike" kern="1200" cap="none" spc="0" normalizeH="0" baseline="0" noProof="0" dirty="0">
               <a:ln>
                 <a:noFill/>
               </a:ln>
@@ -4984,7 +4879,7 @@
           <p:cNvPr id="15" name="TextBox 14">
             <a:extLst>
               <a:ext uri="{FF2B5EF4-FFF2-40B4-BE49-F238E27FC236}">
-                <a16:creationId xmlns:a16="http://schemas.microsoft.com/office/drawing/2014/main" id="{8016977A-112F-4154-95F5-0608714FBFEE}"/>
+                <a16:creationId xmlns:a16="http://schemas.microsoft.com/office/drawing/2014/main" xmlns="" id="{8016977A-112F-4154-95F5-0608714FBFEE}"/>
               </a:ext>
             </a:extLst>
           </p:cNvPr>
@@ -4993,7 +4888,7 @@
         </p:nvSpPr>
         <p:spPr>
           <a:xfrm>
-            <a:off x="1461829" y="4735365"/>
+            <a:off x="1255992" y="3609155"/>
             <a:ext cx="3271377" cy="784830"/>
           </a:xfrm>
           <a:prstGeom prst="rect">
@@ -5007,7 +4902,7 @@
           </a:bodyPr>
           <a:lstStyle/>
           <a:p>
-            <a:pPr marL="0" marR="0" lvl="0" indent="0" algn="just" defTabSz="914400" rtl="0" eaLnBrk="1" fontAlgn="auto" latinLnBrk="0" hangingPunct="1">
+            <a:pPr marL="0" marR="0" lvl="0" indent="0" defTabSz="914400" rtl="0" eaLnBrk="1" fontAlgn="auto" latinLnBrk="0" hangingPunct="1">
               <a:lnSpc>
                 <a:spcPct val="100000"/>
               </a:lnSpc>
@@ -5025,7 +4920,7 @@
               <a:defRPr/>
             </a:pPr>
             <a:r>
-              <a:rPr kumimoji="0" lang="en-US" sz="1500" b="0" i="0" u="none" strike="noStrike" kern="1200" cap="none" spc="0" normalizeH="0" baseline="0" noProof="0" dirty="0">
+              <a:rPr kumimoji="0" lang="en-US" sz="1500" b="1" i="0" u="none" strike="noStrike" kern="1200" cap="none" spc="0" normalizeH="0" baseline="0" noProof="0" dirty="0" smtClean="0">
                 <a:ln>
                   <a:noFill/>
                 </a:ln>
@@ -5036,12 +4931,40 @@
                 <a:uLnTx/>
                 <a:uFillTx/>
                 <a:latin typeface="Open Sans" panose="020B0606030504020204" pitchFamily="34" charset="0"/>
-                <a:ea typeface="+mn-ea"/>
-                <a:cs typeface="+mn-cs"/>
               </a:rPr>
-              <a:t>Lorem Ipsum is simply dummy text of the printing and typesetting industry. </a:t>
-            </a:r>
-            <a:endParaRPr kumimoji="0" lang="en-GB" sz="1500" b="0" i="0" u="none" strike="noStrike" kern="1200" cap="none" spc="0" normalizeH="0" baseline="0" noProof="0" dirty="0">
+              <a:t>Worked with diversified domains like Healthcare, Life sciences, Banking, Digital, Retail,</a:t>
+            </a:r>
+            <a:r>
+              <a:rPr kumimoji="0" lang="en-US" sz="1500" b="1" i="0" u="none" strike="noStrike" kern="1200" cap="none" spc="0" normalizeH="0" noProof="0" dirty="0" smtClean="0">
+                <a:ln>
+                  <a:noFill/>
+                </a:ln>
+                <a:solidFill>
+                  <a:srgbClr val="FFFFFF"/>
+                </a:solidFill>
+                <a:effectLst/>
+                <a:uLnTx/>
+                <a:uFillTx/>
+                <a:latin typeface="Open Sans" panose="020B0606030504020204" pitchFamily="34" charset="0"/>
+              </a:rPr>
+              <a:t> Gaming</a:t>
+            </a:r>
+            <a:r>
+              <a:rPr kumimoji="0" lang="en-US" sz="1500" b="1" i="0" u="none" strike="noStrike" kern="1200" cap="none" spc="0" normalizeH="0" baseline="0" noProof="0" dirty="0" smtClean="0">
+                <a:ln>
+                  <a:noFill/>
+                </a:ln>
+                <a:solidFill>
+                  <a:srgbClr val="FFFFFF"/>
+                </a:solidFill>
+                <a:effectLst/>
+                <a:uLnTx/>
+                <a:uFillTx/>
+                <a:latin typeface="Open Sans" panose="020B0606030504020204" pitchFamily="34" charset="0"/>
+              </a:rPr>
+              <a:t> </a:t>
+            </a:r>
+            <a:endParaRPr kumimoji="0" lang="en-GB" sz="1500" b="1" i="0" u="none" strike="noStrike" kern="1200" cap="none" spc="0" normalizeH="0" baseline="0" noProof="0" dirty="0">
               <a:ln>
                 <a:noFill/>
               </a:ln>
@@ -5066,7 +4989,7 @@
         </p:nvSpPr>
         <p:spPr>
           <a:xfrm>
-            <a:off x="653646" y="2420009"/>
+            <a:off x="447809" y="1293799"/>
             <a:ext cx="506366" cy="506366"/>
           </a:xfrm>
           <a:prstGeom prst="ellipse">
@@ -5144,7 +5067,7 @@
         </p:nvSpPr>
         <p:spPr>
           <a:xfrm>
-            <a:off x="653646" y="3607459"/>
+            <a:off x="447809" y="2481249"/>
             <a:ext cx="506366" cy="506366"/>
           </a:xfrm>
           <a:prstGeom prst="ellipse">
@@ -5222,7 +5145,7 @@
         </p:nvSpPr>
         <p:spPr>
           <a:xfrm>
-            <a:off x="653646" y="4833009"/>
+            <a:off x="447809" y="3706799"/>
             <a:ext cx="506366" cy="506366"/>
           </a:xfrm>
           <a:prstGeom prst="ellipse">
@@ -5292,56 +5215,65 @@
           </a:p>
         </p:txBody>
       </p:sp>
-      <p:sp>
-        <p:nvSpPr>
-          <p:cNvPr id="20" name="Oval 19">
-            <a:extLst>
-              <a:ext uri="{FF2B5EF4-FFF2-40B4-BE49-F238E27FC236}">
-                <a16:creationId xmlns:a16="http://schemas.microsoft.com/office/drawing/2014/main" id="{F1634FA1-95D5-4DB9-9967-F901D555674F}"/>
-              </a:ext>
-            </a:extLst>
-          </p:cNvPr>
-          <p:cNvSpPr/>
+      <p:pic>
+        <p:nvPicPr>
+          <p:cNvPr id="4" name="Picture 3"/>
+          <p:cNvPicPr>
+            <a:picLocks noChangeAspect="1"/>
+          </p:cNvPicPr>
           <p:nvPr/>
-        </p:nvSpPr>
+        </p:nvPicPr>
+        <p:blipFill>
+          <a:blip r:embed="rId2" cstate="print">
+            <a:extLst>
+              <a:ext uri="{28A0092B-C50C-407E-A947-70E740481C1C}">
+                <a14:useLocalDpi xmlns:a14="http://schemas.microsoft.com/office/drawing/2010/main" val="0"/>
+              </a:ext>
+            </a:extLst>
+          </a:blip>
+          <a:stretch>
+            <a:fillRect/>
+          </a:stretch>
+        </p:blipFill>
         <p:spPr>
           <a:xfrm>
-            <a:off x="11512283" y="243039"/>
-            <a:ext cx="451117" cy="451117"/>
+            <a:off x="6244465" y="1601270"/>
+            <a:ext cx="4816257" cy="2512555"/>
           </a:xfrm>
-          <a:prstGeom prst="ellipse">
+          <a:prstGeom prst="rect">
             <a:avLst/>
           </a:prstGeom>
-          <a:solidFill>
-            <a:schemeClr val="accent3"/>
-          </a:solidFill>
-          <a:ln>
-            <a:noFill/>
-          </a:ln>
         </p:spPr>
-        <p:style>
-          <a:lnRef idx="2">
-            <a:schemeClr val="accent1">
-              <a:shade val="50000"/>
-            </a:schemeClr>
-          </a:lnRef>
-          <a:fillRef idx="1">
-            <a:schemeClr val="accent1"/>
-          </a:fillRef>
-          <a:effectRef idx="0">
-            <a:schemeClr val="accent1"/>
-          </a:effectRef>
-          <a:fontRef idx="minor">
-            <a:schemeClr val="lt1"/>
-          </a:fontRef>
-        </p:style>
-        <p:txBody>
-          <a:bodyPr wrap="none" rtlCol="0" anchor="ctr">
-            <a:noAutofit/>
+      </p:pic>
+      <p:sp>
+        <p:nvSpPr>
+          <p:cNvPr id="30" name="TextBox 29">
+            <a:extLst>
+              <a:ext uri="{FF2B5EF4-FFF2-40B4-BE49-F238E27FC236}">
+                <a16:creationId xmlns:a16="http://schemas.microsoft.com/office/drawing/2014/main" xmlns="" id="{8016977A-112F-4154-95F5-0608714FBFEE}"/>
+              </a:ext>
+            </a:extLst>
+          </p:cNvPr>
+          <p:cNvSpPr txBox="1"/>
+          <p:nvPr/>
+        </p:nvSpPr>
+        <p:spPr>
+          <a:xfrm>
+            <a:off x="1199572" y="4654478"/>
+            <a:ext cx="3271377" cy="784830"/>
+          </a:xfrm>
+          <a:prstGeom prst="rect">
+            <a:avLst/>
+          </a:prstGeom>
+          <a:noFill/>
+        </p:spPr>
+        <p:txBody>
+          <a:bodyPr wrap="square" rtlCol="0">
+            <a:spAutoFit/>
           </a:bodyPr>
           <a:lstStyle/>
           <a:p>
-            <a:pPr marL="0" marR="0" lvl="0" indent="0" algn="ctr" defTabSz="914400" rtl="0" eaLnBrk="1" fontAlgn="auto" latinLnBrk="0" hangingPunct="1">
+            <a:pPr marL="0" marR="0" lvl="0" indent="0" defTabSz="914400" rtl="0" eaLnBrk="1" fontAlgn="auto" latinLnBrk="0" hangingPunct="1">
               <a:lnSpc>
                 <a:spcPct val="100000"/>
               </a:lnSpc>
@@ -5359,7 +5291,7 @@
               <a:defRPr/>
             </a:pPr>
             <a:r>
-              <a:rPr kumimoji="0" lang="en-GB" sz="1800" b="0" i="0" u="none" strike="noStrike" kern="1200" cap="none" spc="0" normalizeH="0" baseline="0" noProof="0" dirty="0">
+              <a:rPr kumimoji="0" lang="en-US" sz="1500" b="1" i="0" u="none" strike="noStrike" kern="1200" cap="none" spc="0" normalizeH="0" baseline="0" noProof="0" dirty="0" smtClean="0">
                 <a:ln>
                   <a:noFill/>
                 </a:ln>
@@ -5369,164 +5301,17 @@
                 <a:effectLst/>
                 <a:uLnTx/>
                 <a:uFillTx/>
-                <a:latin typeface="Noto Sans" panose="020B0502040504020204" pitchFamily="34"/>
-                <a:ea typeface="Noto Sans" panose="020B0502040504020204" pitchFamily="34"/>
-                <a:cs typeface="Noto Sans" panose="020B0502040504020204" pitchFamily="34"/>
+                <a:latin typeface="Open Sans" panose="020B0606030504020204" pitchFamily="34" charset="0"/>
               </a:rPr>
-              <a:t>1</a:t>
-            </a:r>
-          </a:p>
-        </p:txBody>
-      </p:sp>
-    </p:spTree>
-    <p:extLst>
-      <p:ext uri="{BB962C8B-B14F-4D97-AF65-F5344CB8AC3E}">
-        <p14:creationId xmlns:p14="http://schemas.microsoft.com/office/powerpoint/2010/main" val="1093741666"/>
-      </p:ext>
-    </p:extLst>
-  </p:cSld>
-  <p:clrMapOvr>
-    <a:masterClrMapping/>
-  </p:clrMapOvr>
-</p:sld>
-</file>
-
-<file path=ppt/slides/slide2.xml><?xml version="1.0" encoding="utf-8"?>
-<p:sld xmlns:a="http://schemas.openxmlformats.org/drawingml/2006/main" xmlns:r="http://schemas.openxmlformats.org/officeDocument/2006/relationships" xmlns:p="http://schemas.openxmlformats.org/presentationml/2006/main">
-  <p:cSld>
-    <p:bg>
-      <p:bgPr>
-        <a:solidFill>
-          <a:schemeClr val="bg1"/>
-        </a:solidFill>
-        <a:effectLst/>
-      </p:bgPr>
-    </p:bg>
-    <p:spTree>
-      <p:nvGrpSpPr>
-        <p:cNvPr id="1" name=""/>
-        <p:cNvGrpSpPr/>
-        <p:nvPr/>
-      </p:nvGrpSpPr>
-      <p:grpSpPr>
-        <a:xfrm>
-          <a:off x="0" y="0"/>
-          <a:ext cx="0" cy="0"/>
-          <a:chOff x="0" y="0"/>
-          <a:chExt cx="0" cy="0"/>
-        </a:xfrm>
-      </p:grpSpPr>
-      <p:sp>
-        <p:nvSpPr>
-          <p:cNvPr id="19" name="Oval 18">
-            <a:extLst>
-              <a:ext uri="{FF2B5EF4-FFF2-40B4-BE49-F238E27FC236}">
-                <a16:creationId xmlns:a16="http://schemas.microsoft.com/office/drawing/2014/main" id="{CE75301D-8D72-4138-8F5D-E9E34FB49D51}"/>
-              </a:ext>
-            </a:extLst>
-          </p:cNvPr>
-          <p:cNvSpPr/>
-          <p:nvPr/>
-        </p:nvSpPr>
-        <p:spPr>
-          <a:xfrm>
-            <a:off x="7235634" y="5654584"/>
-            <a:ext cx="2812297" cy="179680"/>
-          </a:xfrm>
-          <a:prstGeom prst="ellipse">
-            <a:avLst/>
-          </a:prstGeom>
-          <a:solidFill>
-            <a:schemeClr val="tx2">
-              <a:alpha val="10000"/>
-            </a:schemeClr>
-          </a:solidFill>
-          <a:ln>
-            <a:noFill/>
-          </a:ln>
-        </p:spPr>
-        <p:style>
-          <a:lnRef idx="2">
-            <a:schemeClr val="accent1">
-              <a:shade val="50000"/>
-            </a:schemeClr>
-          </a:lnRef>
-          <a:fillRef idx="1">
-            <a:schemeClr val="accent1"/>
-          </a:fillRef>
-          <a:effectRef idx="0">
-            <a:schemeClr val="accent1"/>
-          </a:effectRef>
-          <a:fontRef idx="minor">
-            <a:schemeClr val="lt1"/>
-          </a:fontRef>
-        </p:style>
-        <p:txBody>
-          <a:bodyPr rtlCol="0" anchor="ctr"/>
-          <a:lstStyle/>
-          <a:p>
-            <a:pPr algn="ctr"/>
-            <a:endParaRPr lang="en-US" dirty="0"/>
-          </a:p>
-        </p:txBody>
-      </p:sp>
-      <p:sp>
-        <p:nvSpPr>
-          <p:cNvPr id="2" name="TextBox 1">
-            <a:extLst>
-              <a:ext uri="{FF2B5EF4-FFF2-40B4-BE49-F238E27FC236}">
-                <a16:creationId xmlns:a16="http://schemas.microsoft.com/office/drawing/2014/main" id="{DB0A9C50-B290-4C30-A65A-9D7AB111D154}"/>
-              </a:ext>
-            </a:extLst>
-          </p:cNvPr>
-          <p:cNvSpPr txBox="1"/>
-          <p:nvPr/>
-        </p:nvSpPr>
-        <p:spPr>
-          <a:xfrm>
-            <a:off x="664809" y="599206"/>
-            <a:ext cx="4343400" cy="861774"/>
-          </a:xfrm>
-          <a:prstGeom prst="rect">
-            <a:avLst/>
-          </a:prstGeom>
-          <a:noFill/>
-        </p:spPr>
-        <p:txBody>
-          <a:bodyPr wrap="square" rtlCol="0">
-            <a:spAutoFit/>
-          </a:bodyPr>
-          <a:lstStyle/>
-          <a:p>
-            <a:pPr marL="0" marR="0" lvl="0" indent="0" algn="ctr" defTabSz="914400" rtl="0" eaLnBrk="1" fontAlgn="auto" latinLnBrk="0" hangingPunct="1">
-              <a:lnSpc>
-                <a:spcPct val="100000"/>
-              </a:lnSpc>
-              <a:spcBef>
-                <a:spcPts val="0"/>
-              </a:spcBef>
-              <a:spcAft>
-                <a:spcPts val="0"/>
-              </a:spcAft>
-              <a:buClrTx/>
-              <a:buSzTx/>
-              <a:buFontTx/>
-              <a:buNone/>
-              <a:tabLst/>
-              <a:defRPr/>
-            </a:pPr>
-            <a:r>
-              <a:rPr lang="en-US" sz="5000" b="1" dirty="0">
-                <a:latin typeface="Noto Sans" panose="020B0502040504020204" pitchFamily="34"/>
-                <a:ea typeface="Noto Sans" panose="020B0502040504020204" pitchFamily="34"/>
-                <a:cs typeface="Noto Sans" panose="020B0502040504020204" pitchFamily="34"/>
-              </a:rPr>
-              <a:t>Desktop Device</a:t>
-            </a:r>
-            <a:endParaRPr kumimoji="0" lang="en-GB" sz="5000" b="1" i="0" u="none" strike="noStrike" kern="1200" cap="none" spc="0" normalizeH="0" baseline="0" noProof="0" dirty="0">
+              <a:t>Experience in  Desktop, Distributed, Cloud, Gaming, Data analytics</a:t>
+            </a:r>
+            <a:endParaRPr kumimoji="0" lang="en-GB" sz="1500" b="1" i="0" u="none" strike="noStrike" kern="1200" cap="none" spc="0" normalizeH="0" baseline="0" noProof="0" dirty="0">
               <a:ln>
                 <a:noFill/>
               </a:ln>
+              <a:solidFill>
+                <a:srgbClr val="FFFFFF"/>
+              </a:solidFill>
               <a:effectLst/>
               <a:uLnTx/>
               <a:uFillTx/>
@@ -5539,1358 +5324,13 @@
       </p:sp>
       <p:sp>
         <p:nvSpPr>
-          <p:cNvPr id="10" name="TextBox 9">
-            <a:extLst>
-              <a:ext uri="{FF2B5EF4-FFF2-40B4-BE49-F238E27FC236}">
-                <a16:creationId xmlns:a16="http://schemas.microsoft.com/office/drawing/2014/main" id="{68EB6B5D-84A6-4EA6-9AB4-A42F13EA240B}"/>
-              </a:ext>
-            </a:extLst>
-          </p:cNvPr>
-          <p:cNvSpPr txBox="1"/>
+          <p:cNvPr id="32" name="Oval 31"/>
+          <p:cNvSpPr/>
           <p:nvPr/>
         </p:nvSpPr>
         <p:spPr>
           <a:xfrm>
-            <a:off x="808460" y="1490418"/>
-            <a:ext cx="4056098" cy="400110"/>
-          </a:xfrm>
-          <a:prstGeom prst="rect">
-            <a:avLst/>
-          </a:prstGeom>
-          <a:noFill/>
-        </p:spPr>
-        <p:txBody>
-          <a:bodyPr wrap="square" rtlCol="0">
-            <a:spAutoFit/>
-          </a:bodyPr>
-          <a:lstStyle/>
-          <a:p>
-            <a:pPr marL="0" marR="0" lvl="0" indent="0" algn="ctr" defTabSz="914400" rtl="0" eaLnBrk="1" fontAlgn="auto" latinLnBrk="0" hangingPunct="1">
-              <a:lnSpc>
-                <a:spcPct val="100000"/>
-              </a:lnSpc>
-              <a:spcBef>
-                <a:spcPts val="0"/>
-              </a:spcBef>
-              <a:spcAft>
-                <a:spcPts val="0"/>
-              </a:spcAft>
-              <a:buClrTx/>
-              <a:buSzTx/>
-              <a:buFontTx/>
-              <a:buNone/>
-              <a:tabLst/>
-              <a:defRPr/>
-            </a:pPr>
-            <a:r>
-              <a:rPr kumimoji="0" lang="en-GB" sz="2000" b="0" i="0" u="none" strike="noStrike" kern="1200" cap="none" spc="0" normalizeH="0" baseline="0" noProof="0" dirty="0">
-                <a:ln>
-                  <a:noFill/>
-                </a:ln>
-                <a:effectLst/>
-                <a:uLnTx/>
-                <a:uFillTx/>
-                <a:latin typeface="Noto Sans" panose="020B0502040504020204" pitchFamily="34"/>
-                <a:ea typeface="Noto Sans" panose="020B0502040504020204" pitchFamily="34"/>
-                <a:cs typeface="Noto Sans" panose="020B0502040504020204" pitchFamily="34"/>
-              </a:rPr>
-              <a:t>Your subtitle text here</a:t>
-            </a:r>
-          </a:p>
-        </p:txBody>
-      </p:sp>
-      <p:grpSp>
-        <p:nvGrpSpPr>
-          <p:cNvPr id="34" name="Group 33"/>
-          <p:cNvGrpSpPr/>
-          <p:nvPr/>
-        </p:nvGrpSpPr>
-        <p:grpSpPr>
-          <a:xfrm>
-            <a:off x="5922301" y="1388239"/>
-            <a:ext cx="5393733" cy="4308307"/>
-            <a:chOff x="2244725" y="2692929"/>
-            <a:chExt cx="3076575" cy="2457450"/>
-          </a:xfrm>
-        </p:grpSpPr>
-        <p:sp>
-          <p:nvSpPr>
-            <p:cNvPr id="23" name="Freeform 14"/>
-            <p:cNvSpPr>
-              <a:spLocks/>
-            </p:cNvSpPr>
-            <p:nvPr/>
-          </p:nvSpPr>
-          <p:spPr bwMode="auto">
-            <a:xfrm>
-              <a:off x="2244725" y="4442354"/>
-              <a:ext cx="3076575" cy="369888"/>
-            </a:xfrm>
-            <a:custGeom>
-              <a:avLst/>
-              <a:gdLst>
-                <a:gd name="T0" fmla="*/ 373 w 966"/>
-                <a:gd name="T1" fmla="*/ 116 h 116"/>
-                <a:gd name="T2" fmla="*/ 145 w 966"/>
-                <a:gd name="T3" fmla="*/ 116 h 116"/>
-                <a:gd name="T4" fmla="*/ 36 w 966"/>
-                <a:gd name="T5" fmla="*/ 116 h 116"/>
-                <a:gd name="T6" fmla="*/ 2 w 966"/>
-                <a:gd name="T7" fmla="*/ 89 h 116"/>
-                <a:gd name="T8" fmla="*/ 0 w 966"/>
-                <a:gd name="T9" fmla="*/ 75 h 116"/>
-                <a:gd name="T10" fmla="*/ 0 w 966"/>
-                <a:gd name="T11" fmla="*/ 0 h 116"/>
-                <a:gd name="T12" fmla="*/ 943 w 966"/>
-                <a:gd name="T13" fmla="*/ 0 h 116"/>
-                <a:gd name="T14" fmla="*/ 966 w 966"/>
-                <a:gd name="T15" fmla="*/ 0 h 116"/>
-                <a:gd name="T16" fmla="*/ 966 w 966"/>
-                <a:gd name="T17" fmla="*/ 79 h 116"/>
-                <a:gd name="T18" fmla="*/ 928 w 966"/>
-                <a:gd name="T19" fmla="*/ 116 h 116"/>
-                <a:gd name="T20" fmla="*/ 600 w 966"/>
-                <a:gd name="T21" fmla="*/ 116 h 116"/>
-                <a:gd name="T22" fmla="*/ 592 w 966"/>
-                <a:gd name="T23" fmla="*/ 116 h 116"/>
-                <a:gd name="T24" fmla="*/ 585 w 966"/>
-                <a:gd name="T25" fmla="*/ 116 h 116"/>
-                <a:gd name="T26" fmla="*/ 383 w 966"/>
-                <a:gd name="T27" fmla="*/ 116 h 116"/>
-                <a:gd name="T28" fmla="*/ 373 w 966"/>
-                <a:gd name="T29" fmla="*/ 116 h 116"/>
-              </a:gdLst>
-              <a:ahLst/>
-              <a:cxnLst>
-                <a:cxn ang="0">
-                  <a:pos x="T0" y="T1"/>
-                </a:cxn>
-                <a:cxn ang="0">
-                  <a:pos x="T2" y="T3"/>
-                </a:cxn>
-                <a:cxn ang="0">
-                  <a:pos x="T4" y="T5"/>
-                </a:cxn>
-                <a:cxn ang="0">
-                  <a:pos x="T6" y="T7"/>
-                </a:cxn>
-                <a:cxn ang="0">
-                  <a:pos x="T8" y="T9"/>
-                </a:cxn>
-                <a:cxn ang="0">
-                  <a:pos x="T10" y="T11"/>
-                </a:cxn>
-                <a:cxn ang="0">
-                  <a:pos x="T12" y="T13"/>
-                </a:cxn>
-                <a:cxn ang="0">
-                  <a:pos x="T14" y="T15"/>
-                </a:cxn>
-                <a:cxn ang="0">
-                  <a:pos x="T16" y="T17"/>
-                </a:cxn>
-                <a:cxn ang="0">
-                  <a:pos x="T18" y="T19"/>
-                </a:cxn>
-                <a:cxn ang="0">
-                  <a:pos x="T20" y="T21"/>
-                </a:cxn>
-                <a:cxn ang="0">
-                  <a:pos x="T22" y="T23"/>
-                </a:cxn>
-                <a:cxn ang="0">
-                  <a:pos x="T24" y="T25"/>
-                </a:cxn>
-                <a:cxn ang="0">
-                  <a:pos x="T26" y="T27"/>
-                </a:cxn>
-                <a:cxn ang="0">
-                  <a:pos x="T28" y="T29"/>
-                </a:cxn>
-              </a:cxnLst>
-              <a:rect l="0" t="0" r="r" b="b"/>
-              <a:pathLst>
-                <a:path w="966" h="116">
-                  <a:moveTo>
-                    <a:pt x="373" y="116"/>
-                  </a:moveTo>
-                  <a:cubicBezTo>
-                    <a:pt x="297" y="116"/>
-                    <a:pt x="221" y="116"/>
-                    <a:pt x="145" y="116"/>
-                  </a:cubicBezTo>
-                  <a:cubicBezTo>
-                    <a:pt x="109" y="116"/>
-                    <a:pt x="72" y="116"/>
-                    <a:pt x="36" y="116"/>
-                  </a:cubicBezTo>
-                  <a:cubicBezTo>
-                    <a:pt x="21" y="116"/>
-                    <a:pt x="5" y="104"/>
-                    <a:pt x="2" y="89"/>
-                  </a:cubicBezTo>
-                  <a:cubicBezTo>
-                    <a:pt x="0" y="84"/>
-                    <a:pt x="0" y="80"/>
-                    <a:pt x="0" y="75"/>
-                  </a:cubicBezTo>
-                  <a:cubicBezTo>
-                    <a:pt x="0" y="52"/>
-                    <a:pt x="0" y="0"/>
-                    <a:pt x="0" y="0"/>
-                  </a:cubicBezTo>
-                  <a:cubicBezTo>
-                    <a:pt x="0" y="0"/>
-                    <a:pt x="631" y="0"/>
-                    <a:pt x="943" y="0"/>
-                  </a:cubicBezTo>
-                  <a:cubicBezTo>
-                    <a:pt x="950" y="0"/>
-                    <a:pt x="959" y="0"/>
-                    <a:pt x="966" y="0"/>
-                  </a:cubicBezTo>
-                  <a:cubicBezTo>
-                    <a:pt x="966" y="0"/>
-                    <a:pt x="966" y="56"/>
-                    <a:pt x="966" y="79"/>
-                  </a:cubicBezTo>
-                  <a:cubicBezTo>
-                    <a:pt x="966" y="100"/>
-                    <a:pt x="949" y="116"/>
-                    <a:pt x="928" y="116"/>
-                  </a:cubicBezTo>
-                  <a:cubicBezTo>
-                    <a:pt x="819" y="116"/>
-                    <a:pt x="709" y="116"/>
-                    <a:pt x="600" y="116"/>
-                  </a:cubicBezTo>
-                  <a:cubicBezTo>
-                    <a:pt x="598" y="116"/>
-                    <a:pt x="595" y="116"/>
-                    <a:pt x="592" y="116"/>
-                  </a:cubicBezTo>
-                  <a:cubicBezTo>
-                    <a:pt x="590" y="116"/>
-                    <a:pt x="587" y="116"/>
-                    <a:pt x="585" y="116"/>
-                  </a:cubicBezTo>
-                  <a:cubicBezTo>
-                    <a:pt x="517" y="116"/>
-                    <a:pt x="450" y="116"/>
-                    <a:pt x="383" y="116"/>
-                  </a:cubicBezTo>
-                  <a:lnTo>
-                    <a:pt x="373" y="116"/>
-                  </a:lnTo>
-                  <a:close/>
-                </a:path>
-              </a:pathLst>
-            </a:custGeom>
-            <a:solidFill>
-              <a:schemeClr val="tx1">
-                <a:lumMod val="90000"/>
-                <a:lumOff val="10000"/>
-              </a:schemeClr>
-            </a:solidFill>
-            <a:ln>
-              <a:noFill/>
-            </a:ln>
-            <a:extLst>
-              <a:ext uri="{91240B29-F687-4F45-9708-019B960494DF}">
-                <a14:hiddenLine xmlns:a14="http://schemas.microsoft.com/office/drawing/2010/main" w="9525">
-                  <a:solidFill>
-                    <a:srgbClr val="000000"/>
-                  </a:solidFill>
-                  <a:round/>
-                  <a:headEnd/>
-                  <a:tailEnd/>
-                </a14:hiddenLine>
-              </a:ext>
-            </a:extLst>
-          </p:spPr>
-          <p:txBody>
-            <a:bodyPr vert="horz" wrap="square" lIns="91440" tIns="45720" rIns="91440" bIns="45720" numCol="1" anchor="t" anchorCtr="0" compatLnSpc="1">
-              <a:prstTxWarp prst="textNoShape">
-                <a:avLst/>
-              </a:prstTxWarp>
-            </a:bodyPr>
-            <a:lstStyle/>
-            <a:p>
-              <a:endParaRPr lang="en-US" dirty="0"/>
-            </a:p>
-          </p:txBody>
-        </p:sp>
-        <p:sp>
-          <p:nvSpPr>
-            <p:cNvPr id="24" name="Freeform 15"/>
-            <p:cNvSpPr>
-              <a:spLocks noEditPoints="1"/>
-            </p:cNvSpPr>
-            <p:nvPr/>
-          </p:nvSpPr>
-          <p:spPr bwMode="auto">
-            <a:xfrm>
-              <a:off x="2244725" y="2692929"/>
-              <a:ext cx="3076575" cy="1749425"/>
-            </a:xfrm>
-            <a:custGeom>
-              <a:avLst/>
-              <a:gdLst>
-                <a:gd name="T0" fmla="*/ 966 w 966"/>
-                <a:gd name="T1" fmla="*/ 549 h 549"/>
-                <a:gd name="T2" fmla="*/ 943 w 966"/>
-                <a:gd name="T3" fmla="*/ 549 h 549"/>
-                <a:gd name="T4" fmla="*/ 0 w 966"/>
-                <a:gd name="T5" fmla="*/ 549 h 549"/>
-                <a:gd name="T6" fmla="*/ 0 w 966"/>
-                <a:gd name="T7" fmla="*/ 108 h 549"/>
-                <a:gd name="T8" fmla="*/ 1 w 966"/>
-                <a:gd name="T9" fmla="*/ 39 h 549"/>
-                <a:gd name="T10" fmla="*/ 14 w 966"/>
-                <a:gd name="T11" fmla="*/ 9 h 549"/>
-                <a:gd name="T12" fmla="*/ 39 w 966"/>
-                <a:gd name="T13" fmla="*/ 1 h 549"/>
-                <a:gd name="T14" fmla="*/ 806 w 966"/>
-                <a:gd name="T15" fmla="*/ 1 h 549"/>
-                <a:gd name="T16" fmla="*/ 926 w 966"/>
-                <a:gd name="T17" fmla="*/ 1 h 549"/>
-                <a:gd name="T18" fmla="*/ 966 w 966"/>
-                <a:gd name="T19" fmla="*/ 41 h 549"/>
-                <a:gd name="T20" fmla="*/ 966 w 966"/>
-                <a:gd name="T21" fmla="*/ 549 h 549"/>
-                <a:gd name="T22" fmla="*/ 483 w 966"/>
-                <a:gd name="T23" fmla="*/ 511 h 549"/>
-                <a:gd name="T24" fmla="*/ 923 w 966"/>
-                <a:gd name="T25" fmla="*/ 511 h 549"/>
-                <a:gd name="T26" fmla="*/ 928 w 966"/>
-                <a:gd name="T27" fmla="*/ 506 h 549"/>
-                <a:gd name="T28" fmla="*/ 928 w 966"/>
-                <a:gd name="T29" fmla="*/ 45 h 549"/>
-                <a:gd name="T30" fmla="*/ 922 w 966"/>
-                <a:gd name="T31" fmla="*/ 38 h 549"/>
-                <a:gd name="T32" fmla="*/ 44 w 966"/>
-                <a:gd name="T33" fmla="*/ 38 h 549"/>
-                <a:gd name="T34" fmla="*/ 38 w 966"/>
-                <a:gd name="T35" fmla="*/ 45 h 549"/>
-                <a:gd name="T36" fmla="*/ 38 w 966"/>
-                <a:gd name="T37" fmla="*/ 505 h 549"/>
-                <a:gd name="T38" fmla="*/ 44 w 966"/>
-                <a:gd name="T39" fmla="*/ 511 h 549"/>
-                <a:gd name="T40" fmla="*/ 483 w 966"/>
-                <a:gd name="T41" fmla="*/ 511 h 549"/>
-              </a:gdLst>
-              <a:ahLst/>
-              <a:cxnLst>
-                <a:cxn ang="0">
-                  <a:pos x="T0" y="T1"/>
-                </a:cxn>
-                <a:cxn ang="0">
-                  <a:pos x="T2" y="T3"/>
-                </a:cxn>
-                <a:cxn ang="0">
-                  <a:pos x="T4" y="T5"/>
-                </a:cxn>
-                <a:cxn ang="0">
-                  <a:pos x="T6" y="T7"/>
-                </a:cxn>
-                <a:cxn ang="0">
-                  <a:pos x="T8" y="T9"/>
-                </a:cxn>
-                <a:cxn ang="0">
-                  <a:pos x="T10" y="T11"/>
-                </a:cxn>
-                <a:cxn ang="0">
-                  <a:pos x="T12" y="T13"/>
-                </a:cxn>
-                <a:cxn ang="0">
-                  <a:pos x="T14" y="T15"/>
-                </a:cxn>
-                <a:cxn ang="0">
-                  <a:pos x="T16" y="T17"/>
-                </a:cxn>
-                <a:cxn ang="0">
-                  <a:pos x="T18" y="T19"/>
-                </a:cxn>
-                <a:cxn ang="0">
-                  <a:pos x="T20" y="T21"/>
-                </a:cxn>
-                <a:cxn ang="0">
-                  <a:pos x="T22" y="T23"/>
-                </a:cxn>
-                <a:cxn ang="0">
-                  <a:pos x="T24" y="T25"/>
-                </a:cxn>
-                <a:cxn ang="0">
-                  <a:pos x="T26" y="T27"/>
-                </a:cxn>
-                <a:cxn ang="0">
-                  <a:pos x="T28" y="T29"/>
-                </a:cxn>
-                <a:cxn ang="0">
-                  <a:pos x="T30" y="T31"/>
-                </a:cxn>
-                <a:cxn ang="0">
-                  <a:pos x="T32" y="T33"/>
-                </a:cxn>
-                <a:cxn ang="0">
-                  <a:pos x="T34" y="T35"/>
-                </a:cxn>
-                <a:cxn ang="0">
-                  <a:pos x="T36" y="T37"/>
-                </a:cxn>
-                <a:cxn ang="0">
-                  <a:pos x="T38" y="T39"/>
-                </a:cxn>
-                <a:cxn ang="0">
-                  <a:pos x="T40" y="T41"/>
-                </a:cxn>
-              </a:cxnLst>
-              <a:rect l="0" t="0" r="r" b="b"/>
-              <a:pathLst>
-                <a:path w="966" h="549">
-                  <a:moveTo>
-                    <a:pt x="966" y="549"/>
-                  </a:moveTo>
-                  <a:cubicBezTo>
-                    <a:pt x="959" y="549"/>
-                    <a:pt x="950" y="549"/>
-                    <a:pt x="943" y="549"/>
-                  </a:cubicBezTo>
-                  <a:cubicBezTo>
-                    <a:pt x="631" y="549"/>
-                    <a:pt x="0" y="549"/>
-                    <a:pt x="0" y="549"/>
-                  </a:cubicBezTo>
-                  <a:cubicBezTo>
-                    <a:pt x="0" y="549"/>
-                    <a:pt x="0" y="254"/>
-                    <a:pt x="0" y="108"/>
-                  </a:cubicBezTo>
-                  <a:cubicBezTo>
-                    <a:pt x="0" y="85"/>
-                    <a:pt x="1" y="62"/>
-                    <a:pt x="1" y="39"/>
-                  </a:cubicBezTo>
-                  <a:cubicBezTo>
-                    <a:pt x="2" y="27"/>
-                    <a:pt x="4" y="17"/>
-                    <a:pt x="14" y="9"/>
-                  </a:cubicBezTo>
-                  <a:cubicBezTo>
-                    <a:pt x="21" y="3"/>
-                    <a:pt x="30" y="1"/>
-                    <a:pt x="39" y="1"/>
-                  </a:cubicBezTo>
-                  <a:cubicBezTo>
-                    <a:pt x="295" y="1"/>
-                    <a:pt x="550" y="1"/>
-                    <a:pt x="806" y="1"/>
-                  </a:cubicBezTo>
-                  <a:cubicBezTo>
-                    <a:pt x="846" y="1"/>
-                    <a:pt x="886" y="2"/>
-                    <a:pt x="926" y="1"/>
-                  </a:cubicBezTo>
-                  <a:cubicBezTo>
-                    <a:pt x="949" y="0"/>
-                    <a:pt x="966" y="19"/>
-                    <a:pt x="966" y="41"/>
-                  </a:cubicBezTo>
-                  <a:cubicBezTo>
-                    <a:pt x="966" y="209"/>
-                    <a:pt x="966" y="549"/>
-                    <a:pt x="966" y="549"/>
-                  </a:cubicBezTo>
-                  <a:close/>
-                  <a:moveTo>
-                    <a:pt x="483" y="511"/>
-                  </a:moveTo>
-                  <a:cubicBezTo>
-                    <a:pt x="630" y="511"/>
-                    <a:pt x="776" y="511"/>
-                    <a:pt x="923" y="511"/>
-                  </a:cubicBezTo>
-                  <a:cubicBezTo>
-                    <a:pt x="926" y="511"/>
-                    <a:pt x="928" y="511"/>
-                    <a:pt x="928" y="506"/>
-                  </a:cubicBezTo>
-                  <a:cubicBezTo>
-                    <a:pt x="928" y="352"/>
-                    <a:pt x="928" y="199"/>
-                    <a:pt x="928" y="45"/>
-                  </a:cubicBezTo>
-                  <a:cubicBezTo>
-                    <a:pt x="928" y="37"/>
-                    <a:pt x="929" y="38"/>
-                    <a:pt x="922" y="38"/>
-                  </a:cubicBezTo>
-                  <a:cubicBezTo>
-                    <a:pt x="629" y="38"/>
-                    <a:pt x="337" y="38"/>
-                    <a:pt x="44" y="38"/>
-                  </a:cubicBezTo>
-                  <a:cubicBezTo>
-                    <a:pt x="37" y="38"/>
-                    <a:pt x="38" y="37"/>
-                    <a:pt x="38" y="45"/>
-                  </a:cubicBezTo>
-                  <a:cubicBezTo>
-                    <a:pt x="38" y="198"/>
-                    <a:pt x="38" y="351"/>
-                    <a:pt x="38" y="505"/>
-                  </a:cubicBezTo>
-                  <a:cubicBezTo>
-                    <a:pt x="38" y="511"/>
-                    <a:pt x="38" y="511"/>
-                    <a:pt x="44" y="511"/>
-                  </a:cubicBezTo>
-                  <a:cubicBezTo>
-                    <a:pt x="190" y="511"/>
-                    <a:pt x="337" y="511"/>
-                    <a:pt x="483" y="511"/>
-                  </a:cubicBezTo>
-                  <a:close/>
-                </a:path>
-              </a:pathLst>
-            </a:custGeom>
-            <a:solidFill>
-              <a:schemeClr val="tx2"/>
-            </a:solidFill>
-            <a:ln>
-              <a:noFill/>
-            </a:ln>
-          </p:spPr>
-          <p:txBody>
-            <a:bodyPr vert="horz" wrap="square" lIns="91440" tIns="45720" rIns="91440" bIns="45720" numCol="1" anchor="t" anchorCtr="0" compatLnSpc="1">
-              <a:prstTxWarp prst="textNoShape">
-                <a:avLst/>
-              </a:prstTxWarp>
-            </a:bodyPr>
-            <a:lstStyle/>
-            <a:p>
-              <a:endParaRPr lang="en-US" dirty="0"/>
-            </a:p>
-          </p:txBody>
-        </p:sp>
-        <p:sp>
-          <p:nvSpPr>
-            <p:cNvPr id="25" name="Freeform 16"/>
-            <p:cNvSpPr>
-              <a:spLocks/>
-            </p:cNvSpPr>
-            <p:nvPr/>
-          </p:nvSpPr>
-          <p:spPr bwMode="auto">
-            <a:xfrm>
-              <a:off x="3251200" y="4894792"/>
-              <a:ext cx="1060450" cy="249238"/>
-            </a:xfrm>
-            <a:custGeom>
-              <a:avLst/>
-              <a:gdLst>
-                <a:gd name="T0" fmla="*/ 278 w 333"/>
-                <a:gd name="T1" fmla="*/ 0 h 78"/>
-                <a:gd name="T2" fmla="*/ 282 w 333"/>
-                <a:gd name="T3" fmla="*/ 34 h 78"/>
-                <a:gd name="T4" fmla="*/ 288 w 333"/>
-                <a:gd name="T5" fmla="*/ 60 h 78"/>
-                <a:gd name="T6" fmla="*/ 298 w 333"/>
-                <a:gd name="T7" fmla="*/ 67 h 78"/>
-                <a:gd name="T8" fmla="*/ 329 w 333"/>
-                <a:gd name="T9" fmla="*/ 74 h 78"/>
-                <a:gd name="T10" fmla="*/ 333 w 333"/>
-                <a:gd name="T11" fmla="*/ 76 h 78"/>
-                <a:gd name="T12" fmla="*/ 329 w 333"/>
-                <a:gd name="T13" fmla="*/ 77 h 78"/>
-                <a:gd name="T14" fmla="*/ 221 w 333"/>
-                <a:gd name="T15" fmla="*/ 77 h 78"/>
-                <a:gd name="T16" fmla="*/ 6 w 333"/>
-                <a:gd name="T17" fmla="*/ 77 h 78"/>
-                <a:gd name="T18" fmla="*/ 0 w 333"/>
-                <a:gd name="T19" fmla="*/ 76 h 78"/>
-                <a:gd name="T20" fmla="*/ 5 w 333"/>
-                <a:gd name="T21" fmla="*/ 74 h 78"/>
-                <a:gd name="T22" fmla="*/ 35 w 333"/>
-                <a:gd name="T23" fmla="*/ 67 h 78"/>
-                <a:gd name="T24" fmla="*/ 49 w 333"/>
-                <a:gd name="T25" fmla="*/ 50 h 78"/>
-                <a:gd name="T26" fmla="*/ 56 w 333"/>
-                <a:gd name="T27" fmla="*/ 0 h 78"/>
-                <a:gd name="T28" fmla="*/ 66 w 333"/>
-                <a:gd name="T29" fmla="*/ 0 h 78"/>
-                <a:gd name="T30" fmla="*/ 278 w 333"/>
-                <a:gd name="T31" fmla="*/ 0 h 78"/>
-              </a:gdLst>
-              <a:ahLst/>
-              <a:cxnLst>
-                <a:cxn ang="0">
-                  <a:pos x="T0" y="T1"/>
-                </a:cxn>
-                <a:cxn ang="0">
-                  <a:pos x="T2" y="T3"/>
-                </a:cxn>
-                <a:cxn ang="0">
-                  <a:pos x="T4" y="T5"/>
-                </a:cxn>
-                <a:cxn ang="0">
-                  <a:pos x="T6" y="T7"/>
-                </a:cxn>
-                <a:cxn ang="0">
-                  <a:pos x="T8" y="T9"/>
-                </a:cxn>
-                <a:cxn ang="0">
-                  <a:pos x="T10" y="T11"/>
-                </a:cxn>
-                <a:cxn ang="0">
-                  <a:pos x="T12" y="T13"/>
-                </a:cxn>
-                <a:cxn ang="0">
-                  <a:pos x="T14" y="T15"/>
-                </a:cxn>
-                <a:cxn ang="0">
-                  <a:pos x="T16" y="T17"/>
-                </a:cxn>
-                <a:cxn ang="0">
-                  <a:pos x="T18" y="T19"/>
-                </a:cxn>
-                <a:cxn ang="0">
-                  <a:pos x="T20" y="T21"/>
-                </a:cxn>
-                <a:cxn ang="0">
-                  <a:pos x="T22" y="T23"/>
-                </a:cxn>
-                <a:cxn ang="0">
-                  <a:pos x="T24" y="T25"/>
-                </a:cxn>
-                <a:cxn ang="0">
-                  <a:pos x="T26" y="T27"/>
-                </a:cxn>
-                <a:cxn ang="0">
-                  <a:pos x="T28" y="T29"/>
-                </a:cxn>
-                <a:cxn ang="0">
-                  <a:pos x="T30" y="T31"/>
-                </a:cxn>
-              </a:cxnLst>
-              <a:rect l="0" t="0" r="r" b="b"/>
-              <a:pathLst>
-                <a:path w="333" h="78">
-                  <a:moveTo>
-                    <a:pt x="278" y="0"/>
-                  </a:moveTo>
-                  <a:cubicBezTo>
-                    <a:pt x="280" y="12"/>
-                    <a:pt x="280" y="23"/>
-                    <a:pt x="282" y="34"/>
-                  </a:cubicBezTo>
-                  <a:cubicBezTo>
-                    <a:pt x="283" y="43"/>
-                    <a:pt x="285" y="51"/>
-                    <a:pt x="288" y="60"/>
-                  </a:cubicBezTo>
-                  <a:cubicBezTo>
-                    <a:pt x="290" y="64"/>
-                    <a:pt x="293" y="67"/>
-                    <a:pt x="298" y="67"/>
-                  </a:cubicBezTo>
-                  <a:cubicBezTo>
-                    <a:pt x="309" y="68"/>
-                    <a:pt x="319" y="72"/>
-                    <a:pt x="329" y="74"/>
-                  </a:cubicBezTo>
-                  <a:cubicBezTo>
-                    <a:pt x="331" y="74"/>
-                    <a:pt x="333" y="74"/>
-                    <a:pt x="333" y="76"/>
-                  </a:cubicBezTo>
-                  <a:cubicBezTo>
-                    <a:pt x="333" y="78"/>
-                    <a:pt x="330" y="77"/>
-                    <a:pt x="329" y="77"/>
-                  </a:cubicBezTo>
-                  <a:cubicBezTo>
-                    <a:pt x="293" y="77"/>
-                    <a:pt x="257" y="77"/>
-                    <a:pt x="221" y="77"/>
-                  </a:cubicBezTo>
-                  <a:cubicBezTo>
-                    <a:pt x="149" y="77"/>
-                    <a:pt x="78" y="77"/>
-                    <a:pt x="6" y="77"/>
-                  </a:cubicBezTo>
-                  <a:cubicBezTo>
-                    <a:pt x="4" y="77"/>
-                    <a:pt x="2" y="78"/>
-                    <a:pt x="0" y="76"/>
-                  </a:cubicBezTo>
-                  <a:cubicBezTo>
-                    <a:pt x="1" y="74"/>
-                    <a:pt x="3" y="74"/>
-                    <a:pt x="5" y="74"/>
-                  </a:cubicBezTo>
-                  <a:cubicBezTo>
-                    <a:pt x="15" y="72"/>
-                    <a:pt x="25" y="69"/>
-                    <a:pt x="35" y="67"/>
-                  </a:cubicBezTo>
-                  <a:cubicBezTo>
-                    <a:pt x="44" y="66"/>
-                    <a:pt x="46" y="61"/>
-                    <a:pt x="49" y="50"/>
-                  </a:cubicBezTo>
-                  <a:cubicBezTo>
-                    <a:pt x="52" y="35"/>
-                    <a:pt x="56" y="0"/>
-                    <a:pt x="56" y="0"/>
-                  </a:cubicBezTo>
-                  <a:cubicBezTo>
-                    <a:pt x="66" y="0"/>
-                    <a:pt x="66" y="0"/>
-                    <a:pt x="66" y="0"/>
-                  </a:cubicBezTo>
-                  <a:cubicBezTo>
-                    <a:pt x="66" y="0"/>
-                    <a:pt x="207" y="0"/>
-                    <a:pt x="278" y="0"/>
-                  </a:cubicBezTo>
-                  <a:close/>
-                </a:path>
-              </a:pathLst>
-            </a:custGeom>
-            <a:solidFill>
-              <a:schemeClr val="tx1"/>
-            </a:solidFill>
-            <a:ln>
-              <a:noFill/>
-            </a:ln>
-            <a:extLst>
-              <a:ext uri="{91240B29-F687-4F45-9708-019B960494DF}">
-                <a14:hiddenLine xmlns:a14="http://schemas.microsoft.com/office/drawing/2010/main" w="9525">
-                  <a:solidFill>
-                    <a:srgbClr val="000000"/>
-                  </a:solidFill>
-                  <a:round/>
-                  <a:headEnd/>
-                  <a:tailEnd/>
-                </a14:hiddenLine>
-              </a:ext>
-            </a:extLst>
-          </p:spPr>
-          <p:txBody>
-            <a:bodyPr vert="horz" wrap="square" lIns="91440" tIns="45720" rIns="91440" bIns="45720" numCol="1" anchor="t" anchorCtr="0" compatLnSpc="1">
-              <a:prstTxWarp prst="textNoShape">
-                <a:avLst/>
-              </a:prstTxWarp>
-            </a:bodyPr>
-            <a:lstStyle/>
-            <a:p>
-              <a:endParaRPr lang="en-US" dirty="0"/>
-            </a:p>
-          </p:txBody>
-        </p:sp>
-        <p:sp>
-          <p:nvSpPr>
-            <p:cNvPr id="26" name="Freeform 17"/>
-            <p:cNvSpPr>
-              <a:spLocks/>
-            </p:cNvSpPr>
-            <p:nvPr/>
-          </p:nvSpPr>
-          <p:spPr bwMode="auto">
-            <a:xfrm>
-              <a:off x="3429000" y="4812242"/>
-              <a:ext cx="708025" cy="82550"/>
-            </a:xfrm>
-            <a:custGeom>
-              <a:avLst/>
-              <a:gdLst>
-                <a:gd name="T0" fmla="*/ 222 w 222"/>
-                <a:gd name="T1" fmla="*/ 26 h 26"/>
-                <a:gd name="T2" fmla="*/ 10 w 222"/>
-                <a:gd name="T3" fmla="*/ 26 h 26"/>
-                <a:gd name="T4" fmla="*/ 0 w 222"/>
-                <a:gd name="T5" fmla="*/ 26 h 26"/>
-                <a:gd name="T6" fmla="*/ 1 w 222"/>
-                <a:gd name="T7" fmla="*/ 0 h 26"/>
-                <a:gd name="T8" fmla="*/ 11 w 222"/>
-                <a:gd name="T9" fmla="*/ 0 h 26"/>
-                <a:gd name="T10" fmla="*/ 213 w 222"/>
-                <a:gd name="T11" fmla="*/ 0 h 26"/>
-                <a:gd name="T12" fmla="*/ 220 w 222"/>
-                <a:gd name="T13" fmla="*/ 0 h 26"/>
-                <a:gd name="T14" fmla="*/ 222 w 222"/>
-                <a:gd name="T15" fmla="*/ 26 h 26"/>
-              </a:gdLst>
-              <a:ahLst/>
-              <a:cxnLst>
-                <a:cxn ang="0">
-                  <a:pos x="T0" y="T1"/>
-                </a:cxn>
-                <a:cxn ang="0">
-                  <a:pos x="T2" y="T3"/>
-                </a:cxn>
-                <a:cxn ang="0">
-                  <a:pos x="T4" y="T5"/>
-                </a:cxn>
-                <a:cxn ang="0">
-                  <a:pos x="T6" y="T7"/>
-                </a:cxn>
-                <a:cxn ang="0">
-                  <a:pos x="T8" y="T9"/>
-                </a:cxn>
-                <a:cxn ang="0">
-                  <a:pos x="T10" y="T11"/>
-                </a:cxn>
-                <a:cxn ang="0">
-                  <a:pos x="T12" y="T13"/>
-                </a:cxn>
-                <a:cxn ang="0">
-                  <a:pos x="T14" y="T15"/>
-                </a:cxn>
-              </a:cxnLst>
-              <a:rect l="0" t="0" r="r" b="b"/>
-              <a:pathLst>
-                <a:path w="222" h="26">
-                  <a:moveTo>
-                    <a:pt x="222" y="26"/>
-                  </a:moveTo>
-                  <a:cubicBezTo>
-                    <a:pt x="151" y="26"/>
-                    <a:pt x="10" y="26"/>
-                    <a:pt x="10" y="26"/>
-                  </a:cubicBezTo>
-                  <a:cubicBezTo>
-                    <a:pt x="0" y="26"/>
-                    <a:pt x="0" y="26"/>
-                    <a:pt x="0" y="26"/>
-                  </a:cubicBezTo>
-                  <a:cubicBezTo>
-                    <a:pt x="0" y="17"/>
-                    <a:pt x="1" y="9"/>
-                    <a:pt x="1" y="0"/>
-                  </a:cubicBezTo>
-                  <a:cubicBezTo>
-                    <a:pt x="11" y="0"/>
-                    <a:pt x="11" y="0"/>
-                    <a:pt x="11" y="0"/>
-                  </a:cubicBezTo>
-                  <a:cubicBezTo>
-                    <a:pt x="11" y="0"/>
-                    <a:pt x="145" y="0"/>
-                    <a:pt x="213" y="0"/>
-                  </a:cubicBezTo>
-                  <a:cubicBezTo>
-                    <a:pt x="215" y="0"/>
-                    <a:pt x="218" y="0"/>
-                    <a:pt x="220" y="0"/>
-                  </a:cubicBezTo>
-                  <a:lnTo>
-                    <a:pt x="222" y="26"/>
-                  </a:lnTo>
-                  <a:close/>
-                </a:path>
-              </a:pathLst>
-            </a:custGeom>
-            <a:solidFill>
-              <a:schemeClr val="tx2"/>
-            </a:solidFill>
-            <a:ln>
-              <a:noFill/>
-            </a:ln>
-          </p:spPr>
-          <p:txBody>
-            <a:bodyPr vert="horz" wrap="square" lIns="91440" tIns="45720" rIns="91440" bIns="45720" numCol="1" anchor="t" anchorCtr="0" compatLnSpc="1">
-              <a:prstTxWarp prst="textNoShape">
-                <a:avLst/>
-              </a:prstTxWarp>
-            </a:bodyPr>
-            <a:lstStyle/>
-            <a:p>
-              <a:endParaRPr lang="en-US" dirty="0"/>
-            </a:p>
-          </p:txBody>
-        </p:sp>
-        <p:sp>
-          <p:nvSpPr>
-            <p:cNvPr id="27" name="Freeform 18"/>
-            <p:cNvSpPr>
-              <a:spLocks/>
-            </p:cNvSpPr>
-            <p:nvPr/>
-          </p:nvSpPr>
-          <p:spPr bwMode="auto">
-            <a:xfrm>
-              <a:off x="3251200" y="5134504"/>
-              <a:ext cx="1060450" cy="15875"/>
-            </a:xfrm>
-            <a:custGeom>
-              <a:avLst/>
-              <a:gdLst>
-                <a:gd name="T0" fmla="*/ 167 w 333"/>
-                <a:gd name="T1" fmla="*/ 2 h 5"/>
-                <a:gd name="T2" fmla="*/ 331 w 333"/>
-                <a:gd name="T3" fmla="*/ 2 h 5"/>
-                <a:gd name="T4" fmla="*/ 333 w 333"/>
-                <a:gd name="T5" fmla="*/ 3 h 5"/>
-                <a:gd name="T6" fmla="*/ 331 w 333"/>
-                <a:gd name="T7" fmla="*/ 5 h 5"/>
-                <a:gd name="T8" fmla="*/ 324 w 333"/>
-                <a:gd name="T9" fmla="*/ 5 h 5"/>
-                <a:gd name="T10" fmla="*/ 6 w 333"/>
-                <a:gd name="T11" fmla="*/ 5 h 5"/>
-                <a:gd name="T12" fmla="*/ 0 w 333"/>
-                <a:gd name="T13" fmla="*/ 3 h 5"/>
-                <a:gd name="T14" fmla="*/ 6 w 333"/>
-                <a:gd name="T15" fmla="*/ 2 h 5"/>
-                <a:gd name="T16" fmla="*/ 167 w 333"/>
-                <a:gd name="T17" fmla="*/ 2 h 5"/>
-                <a:gd name="T18" fmla="*/ 167 w 333"/>
-                <a:gd name="T19" fmla="*/ 2 h 5"/>
-              </a:gdLst>
-              <a:ahLst/>
-              <a:cxnLst>
-                <a:cxn ang="0">
-                  <a:pos x="T0" y="T1"/>
-                </a:cxn>
-                <a:cxn ang="0">
-                  <a:pos x="T2" y="T3"/>
-                </a:cxn>
-                <a:cxn ang="0">
-                  <a:pos x="T4" y="T5"/>
-                </a:cxn>
-                <a:cxn ang="0">
-                  <a:pos x="T6" y="T7"/>
-                </a:cxn>
-                <a:cxn ang="0">
-                  <a:pos x="T8" y="T9"/>
-                </a:cxn>
-                <a:cxn ang="0">
-                  <a:pos x="T10" y="T11"/>
-                </a:cxn>
-                <a:cxn ang="0">
-                  <a:pos x="T12" y="T13"/>
-                </a:cxn>
-                <a:cxn ang="0">
-                  <a:pos x="T14" y="T15"/>
-                </a:cxn>
-                <a:cxn ang="0">
-                  <a:pos x="T16" y="T17"/>
-                </a:cxn>
-                <a:cxn ang="0">
-                  <a:pos x="T18" y="T19"/>
-                </a:cxn>
-              </a:cxnLst>
-              <a:rect l="0" t="0" r="r" b="b"/>
-              <a:pathLst>
-                <a:path w="333" h="5">
-                  <a:moveTo>
-                    <a:pt x="167" y="2"/>
-                  </a:moveTo>
-                  <a:cubicBezTo>
-                    <a:pt x="222" y="2"/>
-                    <a:pt x="276" y="2"/>
-                    <a:pt x="331" y="2"/>
-                  </a:cubicBezTo>
-                  <a:cubicBezTo>
-                    <a:pt x="332" y="2"/>
-                    <a:pt x="333" y="1"/>
-                    <a:pt x="333" y="3"/>
-                  </a:cubicBezTo>
-                  <a:cubicBezTo>
-                    <a:pt x="333" y="4"/>
-                    <a:pt x="332" y="5"/>
-                    <a:pt x="331" y="5"/>
-                  </a:cubicBezTo>
-                  <a:cubicBezTo>
-                    <a:pt x="328" y="5"/>
-                    <a:pt x="326" y="5"/>
-                    <a:pt x="324" y="5"/>
-                  </a:cubicBezTo>
-                  <a:cubicBezTo>
-                    <a:pt x="218" y="5"/>
-                    <a:pt x="112" y="5"/>
-                    <a:pt x="6" y="5"/>
-                  </a:cubicBezTo>
-                  <a:cubicBezTo>
-                    <a:pt x="4" y="5"/>
-                    <a:pt x="0" y="5"/>
-                    <a:pt x="0" y="3"/>
-                  </a:cubicBezTo>
-                  <a:cubicBezTo>
-                    <a:pt x="0" y="0"/>
-                    <a:pt x="4" y="2"/>
-                    <a:pt x="6" y="2"/>
-                  </a:cubicBezTo>
-                  <a:cubicBezTo>
-                    <a:pt x="60" y="2"/>
-                    <a:pt x="114" y="2"/>
-                    <a:pt x="167" y="2"/>
-                  </a:cubicBezTo>
-                  <a:cubicBezTo>
-                    <a:pt x="167" y="2"/>
-                    <a:pt x="167" y="2"/>
-                    <a:pt x="167" y="2"/>
-                  </a:cubicBezTo>
-                  <a:close/>
-                </a:path>
-              </a:pathLst>
-            </a:custGeom>
-            <a:solidFill>
-              <a:schemeClr val="tx2"/>
-            </a:solidFill>
-            <a:ln>
-              <a:noFill/>
-            </a:ln>
-          </p:spPr>
-          <p:txBody>
-            <a:bodyPr vert="horz" wrap="square" lIns="91440" tIns="45720" rIns="91440" bIns="45720" numCol="1" anchor="t" anchorCtr="0" compatLnSpc="1">
-              <a:prstTxWarp prst="textNoShape">
-                <a:avLst/>
-              </a:prstTxWarp>
-            </a:bodyPr>
-            <a:lstStyle/>
-            <a:p>
-              <a:endParaRPr lang="en-US"/>
-            </a:p>
-          </p:txBody>
-        </p:sp>
-      </p:grpSp>
-      <p:sp>
-        <p:nvSpPr>
-          <p:cNvPr id="35" name="TextBox 34">
-            <a:extLst>
-              <a:ext uri="{FF2B5EF4-FFF2-40B4-BE49-F238E27FC236}">
-                <a16:creationId xmlns:a16="http://schemas.microsoft.com/office/drawing/2014/main" id="{68EB6B5D-84A6-4EA6-9AB4-A42F13EA240B}"/>
-              </a:ext>
-            </a:extLst>
-          </p:cNvPr>
-          <p:cNvSpPr txBox="1"/>
-          <p:nvPr/>
-        </p:nvSpPr>
-        <p:spPr>
-          <a:xfrm>
-            <a:off x="6600772" y="2443492"/>
-            <a:ext cx="3988096" cy="861774"/>
-          </a:xfrm>
-          <a:prstGeom prst="rect">
-            <a:avLst/>
-          </a:prstGeom>
-          <a:noFill/>
-        </p:spPr>
-        <p:txBody>
-          <a:bodyPr wrap="square" rtlCol="0">
-            <a:spAutoFit/>
-          </a:bodyPr>
-          <a:lstStyle/>
-          <a:p>
-            <a:pPr marL="0" marR="0" lvl="0" indent="0" algn="ctr" defTabSz="914400" rtl="0" eaLnBrk="1" fontAlgn="auto" latinLnBrk="0" hangingPunct="1">
-              <a:lnSpc>
-                <a:spcPct val="100000"/>
-              </a:lnSpc>
-              <a:spcBef>
-                <a:spcPts val="0"/>
-              </a:spcBef>
-              <a:spcAft>
-                <a:spcPts val="0"/>
-              </a:spcAft>
-              <a:buClrTx/>
-              <a:buSzTx/>
-              <a:buFontTx/>
-              <a:buNone/>
-              <a:tabLst/>
-              <a:defRPr/>
-            </a:pPr>
-            <a:r>
-              <a:rPr lang="en-GB" sz="5000" b="1" noProof="0" dirty="0">
-                <a:latin typeface="Noto Sans" panose="020B0502040504020204" pitchFamily="34"/>
-                <a:ea typeface="Noto Sans" panose="020B0502040504020204" pitchFamily="34"/>
-                <a:cs typeface="Noto Sans" panose="020B0502040504020204" pitchFamily="34"/>
-              </a:rPr>
-              <a:t>YOUR  </a:t>
-            </a:r>
-            <a:r>
-              <a:rPr lang="en-GB" sz="5000" b="1" dirty="0">
-                <a:latin typeface="Noto Sans" panose="020B0502040504020204" pitchFamily="34"/>
-                <a:ea typeface="Noto Sans" panose="020B0502040504020204" pitchFamily="34"/>
-                <a:cs typeface="Noto Sans" panose="020B0502040504020204" pitchFamily="34"/>
-              </a:rPr>
-              <a:t>IMAGE</a:t>
-            </a:r>
-            <a:endParaRPr kumimoji="0" lang="en-GB" sz="5000" b="1" i="0" u="none" strike="noStrike" kern="1200" cap="none" spc="0" normalizeH="0" baseline="0" noProof="0" dirty="0">
-              <a:ln>
-                <a:noFill/>
-              </a:ln>
-              <a:effectLst/>
-              <a:uLnTx/>
-              <a:uFillTx/>
-              <a:latin typeface="Noto Sans" panose="020B0502040504020204" pitchFamily="34"/>
-              <a:ea typeface="Noto Sans" panose="020B0502040504020204" pitchFamily="34"/>
-              <a:cs typeface="Noto Sans" panose="020B0502040504020204" pitchFamily="34"/>
-            </a:endParaRPr>
-          </a:p>
-        </p:txBody>
-      </p:sp>
-      <p:sp>
-        <p:nvSpPr>
-          <p:cNvPr id="13" name="TextBox 12">
-            <a:extLst>
-              <a:ext uri="{FF2B5EF4-FFF2-40B4-BE49-F238E27FC236}">
-                <a16:creationId xmlns:a16="http://schemas.microsoft.com/office/drawing/2014/main" id="{8016977A-112F-4154-95F5-0608714FBFEE}"/>
-              </a:ext>
-            </a:extLst>
-          </p:cNvPr>
-          <p:cNvSpPr txBox="1"/>
-          <p:nvPr/>
-        </p:nvSpPr>
-        <p:spPr>
-          <a:xfrm>
-            <a:off x="1461829" y="2335065"/>
-            <a:ext cx="3271377" cy="784830"/>
-          </a:xfrm>
-          <a:prstGeom prst="rect">
-            <a:avLst/>
-          </a:prstGeom>
-          <a:noFill/>
-        </p:spPr>
-        <p:txBody>
-          <a:bodyPr wrap="square" rtlCol="0">
-            <a:spAutoFit/>
-          </a:bodyPr>
-          <a:lstStyle/>
-          <a:p>
-            <a:pPr lvl="0" algn="just">
-              <a:defRPr/>
-            </a:pPr>
-            <a:r>
-              <a:rPr lang="en-US" sz="1500" dirty="0">
-                <a:latin typeface="Open Sans" panose="020B0606030504020204" pitchFamily="34" charset="0"/>
-              </a:rPr>
-              <a:t>Lorem Ipsum is simply dummy text of the printing and typesetting industry. </a:t>
-            </a:r>
-            <a:endParaRPr kumimoji="0" lang="en-GB" sz="1500" i="0" u="none" strike="noStrike" kern="1200" cap="none" spc="0" normalizeH="0" baseline="0" noProof="0" dirty="0">
-              <a:ln>
-                <a:noFill/>
-              </a:ln>
-              <a:effectLst/>
-              <a:uLnTx/>
-              <a:uFillTx/>
-              <a:latin typeface="Noto Sans" panose="020B0502040504020204" pitchFamily="34"/>
-              <a:ea typeface="Noto Sans" panose="020B0502040504020204" pitchFamily="34"/>
-              <a:cs typeface="Noto Sans" panose="020B0502040504020204" pitchFamily="34"/>
-            </a:endParaRPr>
-          </a:p>
-        </p:txBody>
-      </p:sp>
-      <p:sp>
-        <p:nvSpPr>
-          <p:cNvPr id="14" name="TextBox 13">
-            <a:extLst>
-              <a:ext uri="{FF2B5EF4-FFF2-40B4-BE49-F238E27FC236}">
-                <a16:creationId xmlns:a16="http://schemas.microsoft.com/office/drawing/2014/main" id="{8016977A-112F-4154-95F5-0608714FBFEE}"/>
-              </a:ext>
-            </a:extLst>
-          </p:cNvPr>
-          <p:cNvSpPr txBox="1"/>
-          <p:nvPr/>
-        </p:nvSpPr>
-        <p:spPr>
-          <a:xfrm>
-            <a:off x="1461829" y="3592365"/>
-            <a:ext cx="3271377" cy="784830"/>
-          </a:xfrm>
-          <a:prstGeom prst="rect">
-            <a:avLst/>
-          </a:prstGeom>
-          <a:noFill/>
-        </p:spPr>
-        <p:txBody>
-          <a:bodyPr wrap="square" rtlCol="0">
-            <a:spAutoFit/>
-          </a:bodyPr>
-          <a:lstStyle/>
-          <a:p>
-            <a:pPr lvl="0" algn="just">
-              <a:defRPr/>
-            </a:pPr>
-            <a:r>
-              <a:rPr lang="en-US" sz="1500" dirty="0">
-                <a:latin typeface="Open Sans" panose="020B0606030504020204" pitchFamily="34" charset="0"/>
-              </a:rPr>
-              <a:t>Lorem Ipsum is simply dummy text of the printing and typesetting industry. </a:t>
-            </a:r>
-            <a:endParaRPr kumimoji="0" lang="en-GB" sz="1500" i="0" u="none" strike="noStrike" kern="1200" cap="none" spc="0" normalizeH="0" baseline="0" noProof="0" dirty="0">
-              <a:ln>
-                <a:noFill/>
-              </a:ln>
-              <a:effectLst/>
-              <a:uLnTx/>
-              <a:uFillTx/>
-              <a:latin typeface="Noto Sans" panose="020B0502040504020204" pitchFamily="34"/>
-              <a:ea typeface="Noto Sans" panose="020B0502040504020204" pitchFamily="34"/>
-              <a:cs typeface="Noto Sans" panose="020B0502040504020204" pitchFamily="34"/>
-            </a:endParaRPr>
-          </a:p>
-        </p:txBody>
-      </p:sp>
-      <p:sp>
-        <p:nvSpPr>
-          <p:cNvPr id="15" name="TextBox 14">
-            <a:extLst>
-              <a:ext uri="{FF2B5EF4-FFF2-40B4-BE49-F238E27FC236}">
-                <a16:creationId xmlns:a16="http://schemas.microsoft.com/office/drawing/2014/main" id="{8016977A-112F-4154-95F5-0608714FBFEE}"/>
-              </a:ext>
-            </a:extLst>
-          </p:cNvPr>
-          <p:cNvSpPr txBox="1"/>
-          <p:nvPr/>
-        </p:nvSpPr>
-        <p:spPr>
-          <a:xfrm>
-            <a:off x="1461829" y="4735365"/>
-            <a:ext cx="3271377" cy="784830"/>
-          </a:xfrm>
-          <a:prstGeom prst="rect">
-            <a:avLst/>
-          </a:prstGeom>
-          <a:noFill/>
-        </p:spPr>
-        <p:txBody>
-          <a:bodyPr wrap="square" rtlCol="0">
-            <a:spAutoFit/>
-          </a:bodyPr>
-          <a:lstStyle/>
-          <a:p>
-            <a:pPr lvl="0" algn="just">
-              <a:defRPr/>
-            </a:pPr>
-            <a:r>
-              <a:rPr lang="en-US" sz="1500" dirty="0">
-                <a:latin typeface="Open Sans" panose="020B0606030504020204" pitchFamily="34" charset="0"/>
-              </a:rPr>
-              <a:t>Lorem Ipsum is simply dummy text of the printing and typesetting industry. </a:t>
-            </a:r>
-            <a:endParaRPr kumimoji="0" lang="en-GB" sz="1500" i="0" u="none" strike="noStrike" kern="1200" cap="none" spc="0" normalizeH="0" baseline="0" noProof="0" dirty="0">
-              <a:ln>
-                <a:noFill/>
-              </a:ln>
-              <a:effectLst/>
-              <a:uLnTx/>
-              <a:uFillTx/>
-              <a:latin typeface="Noto Sans" panose="020B0502040504020204" pitchFamily="34"/>
-              <a:ea typeface="Noto Sans" panose="020B0502040504020204" pitchFamily="34"/>
-              <a:cs typeface="Noto Sans" panose="020B0502040504020204" pitchFamily="34"/>
-            </a:endParaRPr>
-          </a:p>
-        </p:txBody>
-      </p:sp>
-      <p:sp>
-        <p:nvSpPr>
-          <p:cNvPr id="16" name="Oval 15"/>
-          <p:cNvSpPr/>
-          <p:nvPr/>
-        </p:nvSpPr>
-        <p:spPr>
-          <a:xfrm>
-            <a:off x="653646" y="2420009"/>
-            <a:ext cx="506366" cy="506366"/>
-          </a:xfrm>
-          <a:prstGeom prst="ellipse">
-            <a:avLst/>
-          </a:prstGeom>
-          <a:solidFill>
-            <a:schemeClr val="accent2"/>
-          </a:solidFill>
-          <a:ln>
-            <a:noFill/>
-          </a:ln>
-        </p:spPr>
-        <p:style>
-          <a:lnRef idx="2">
-            <a:schemeClr val="accent1">
-              <a:shade val="50000"/>
-            </a:schemeClr>
-          </a:lnRef>
-          <a:fillRef idx="1">
-            <a:schemeClr val="accent1"/>
-          </a:fillRef>
-          <a:effectRef idx="0">
-            <a:schemeClr val="accent1"/>
-          </a:effectRef>
-          <a:fontRef idx="minor">
-            <a:schemeClr val="lt1"/>
-          </a:fontRef>
-        </p:style>
-        <p:txBody>
-          <a:bodyPr rtlCol="0" anchor="ctr"/>
-          <a:lstStyle/>
-          <a:p>
-            <a:pPr algn="ctr"/>
-            <a:r>
-              <a:rPr lang="en-US" b="1" dirty="0"/>
-              <a:t>1</a:t>
-            </a:r>
-          </a:p>
-        </p:txBody>
-      </p:sp>
-      <p:sp>
-        <p:nvSpPr>
-          <p:cNvPr id="17" name="Oval 16"/>
-          <p:cNvSpPr/>
-          <p:nvPr/>
-        </p:nvSpPr>
-        <p:spPr>
-          <a:xfrm>
-            <a:off x="653646" y="3607459"/>
-            <a:ext cx="506366" cy="506366"/>
-          </a:xfrm>
-          <a:prstGeom prst="ellipse">
-            <a:avLst/>
-          </a:prstGeom>
-          <a:solidFill>
-            <a:schemeClr val="accent4"/>
-          </a:solidFill>
-          <a:ln>
-            <a:noFill/>
-          </a:ln>
-        </p:spPr>
-        <p:style>
-          <a:lnRef idx="2">
-            <a:schemeClr val="accent1">
-              <a:shade val="50000"/>
-            </a:schemeClr>
-          </a:lnRef>
-          <a:fillRef idx="1">
-            <a:schemeClr val="accent1"/>
-          </a:fillRef>
-          <a:effectRef idx="0">
-            <a:schemeClr val="accent1"/>
-          </a:effectRef>
-          <a:fontRef idx="minor">
-            <a:schemeClr val="lt1"/>
-          </a:fontRef>
-        </p:style>
-        <p:txBody>
-          <a:bodyPr rtlCol="0" anchor="ctr"/>
-          <a:lstStyle/>
-          <a:p>
-            <a:pPr algn="ctr"/>
-            <a:r>
-              <a:rPr lang="en-US" b="1" dirty="0"/>
-              <a:t>2</a:t>
-            </a:r>
-          </a:p>
-        </p:txBody>
-      </p:sp>
-      <p:sp>
-        <p:nvSpPr>
-          <p:cNvPr id="18" name="Oval 17"/>
-          <p:cNvSpPr/>
-          <p:nvPr/>
-        </p:nvSpPr>
-        <p:spPr>
-          <a:xfrm>
-            <a:off x="653646" y="4833009"/>
+            <a:off x="447809" y="4904522"/>
             <a:ext cx="506366" cy="506366"/>
           </a:xfrm>
           <a:prstGeom prst="ellipse">
@@ -6923,36 +5363,180 @@
           <a:bodyPr rtlCol="0" anchor="ctr"/>
           <a:lstStyle/>
           <a:p>
-            <a:pPr algn="ctr"/>
-            <a:r>
-              <a:rPr lang="en-US" b="1" dirty="0"/>
-              <a:t>3</a:t>
-            </a:r>
-          </a:p>
-        </p:txBody>
-      </p:sp>
-      <p:sp>
-        <p:nvSpPr>
-          <p:cNvPr id="20" name="Oval 19">
-            <a:extLst>
-              <a:ext uri="{FF2B5EF4-FFF2-40B4-BE49-F238E27FC236}">
-                <a16:creationId xmlns:a16="http://schemas.microsoft.com/office/drawing/2014/main" id="{F1634FA1-95D5-4DB9-9967-F901D555674F}"/>
-              </a:ext>
-            </a:extLst>
-          </p:cNvPr>
+            <a:pPr marL="0" marR="0" lvl="0" indent="0" algn="ctr" defTabSz="914400" rtl="0" eaLnBrk="1" fontAlgn="auto" latinLnBrk="0" hangingPunct="1">
+              <a:lnSpc>
+                <a:spcPct val="100000"/>
+              </a:lnSpc>
+              <a:spcBef>
+                <a:spcPts val="0"/>
+              </a:spcBef>
+              <a:spcAft>
+                <a:spcPts val="0"/>
+              </a:spcAft>
+              <a:buClrTx/>
+              <a:buSzTx/>
+              <a:buFontTx/>
+              <a:buNone/>
+              <a:tabLst/>
+              <a:defRPr/>
+            </a:pPr>
+            <a:r>
+              <a:rPr kumimoji="0" lang="en-US" sz="1800" b="1" i="0" u="none" strike="noStrike" kern="1200" cap="none" spc="0" normalizeH="0" baseline="0" noProof="0" dirty="0" smtClean="0">
+                <a:ln>
+                  <a:noFill/>
+                </a:ln>
+                <a:solidFill>
+                  <a:srgbClr val="FFFFFF"/>
+                </a:solidFill>
+                <a:effectLst/>
+                <a:uLnTx/>
+                <a:uFillTx/>
+                <a:latin typeface="Calibri" panose="020F0502020204030204"/>
+                <a:ea typeface="+mn-ea"/>
+                <a:cs typeface="+mn-cs"/>
+              </a:rPr>
+              <a:t>4</a:t>
+            </a:r>
+            <a:endParaRPr kumimoji="0" lang="en-US" sz="1800" b="1" i="0" u="none" strike="noStrike" kern="1200" cap="none" spc="0" normalizeH="0" baseline="0" noProof="0" dirty="0">
+              <a:ln>
+                <a:noFill/>
+              </a:ln>
+              <a:solidFill>
+                <a:srgbClr val="FFFFFF"/>
+              </a:solidFill>
+              <a:effectLst/>
+              <a:uLnTx/>
+              <a:uFillTx/>
+              <a:latin typeface="Calibri" panose="020F0502020204030204"/>
+              <a:ea typeface="+mn-ea"/>
+              <a:cs typeface="+mn-cs"/>
+            </a:endParaRPr>
+          </a:p>
+        </p:txBody>
+      </p:sp>
+      <p:sp>
+        <p:nvSpPr>
+          <p:cNvPr id="38" name="TextBox 37">
+            <a:extLst>
+              <a:ext uri="{FF2B5EF4-FFF2-40B4-BE49-F238E27FC236}">
+                <a16:creationId xmlns:a16="http://schemas.microsoft.com/office/drawing/2014/main" xmlns="" id="{8016977A-112F-4154-95F5-0608714FBFEE}"/>
+              </a:ext>
+            </a:extLst>
+          </p:cNvPr>
+          <p:cNvSpPr txBox="1"/>
+          <p:nvPr/>
+        </p:nvSpPr>
+        <p:spPr>
+          <a:xfrm>
+            <a:off x="1199572" y="5843331"/>
+            <a:ext cx="3271377" cy="784830"/>
+          </a:xfrm>
+          <a:prstGeom prst="rect">
+            <a:avLst/>
+          </a:prstGeom>
+          <a:noFill/>
+        </p:spPr>
+        <p:txBody>
+          <a:bodyPr wrap="square" rtlCol="0">
+            <a:spAutoFit/>
+          </a:bodyPr>
+          <a:lstStyle/>
+          <a:p>
+            <a:pPr marL="0" marR="0" lvl="0" indent="0" defTabSz="914400" rtl="0" eaLnBrk="1" fontAlgn="auto" latinLnBrk="0" hangingPunct="1">
+              <a:lnSpc>
+                <a:spcPct val="100000"/>
+              </a:lnSpc>
+              <a:spcBef>
+                <a:spcPts val="0"/>
+              </a:spcBef>
+              <a:spcAft>
+                <a:spcPts val="0"/>
+              </a:spcAft>
+              <a:buClrTx/>
+              <a:buSzTx/>
+              <a:buFontTx/>
+              <a:buNone/>
+              <a:tabLst/>
+              <a:defRPr/>
+            </a:pPr>
+            <a:r>
+              <a:rPr kumimoji="0" lang="en-US" sz="1500" b="1" i="0" u="none" strike="noStrike" kern="1200" cap="none" spc="0" normalizeH="0" baseline="0" noProof="0" dirty="0" smtClean="0">
+                <a:ln>
+                  <a:noFill/>
+                </a:ln>
+                <a:solidFill>
+                  <a:srgbClr val="FFFFFF"/>
+                </a:solidFill>
+                <a:effectLst/>
+                <a:uLnTx/>
+                <a:uFillTx/>
+                <a:latin typeface="Open Sans" panose="020B0606030504020204" pitchFamily="34" charset="0"/>
+              </a:rPr>
+              <a:t>Worked with diversified domains like Healthcare, Life sciences, Banking, Digital, Retail,</a:t>
+            </a:r>
+            <a:r>
+              <a:rPr kumimoji="0" lang="en-US" sz="1500" b="1" i="0" u="none" strike="noStrike" kern="1200" cap="none" spc="0" normalizeH="0" noProof="0" dirty="0" smtClean="0">
+                <a:ln>
+                  <a:noFill/>
+                </a:ln>
+                <a:solidFill>
+                  <a:srgbClr val="FFFFFF"/>
+                </a:solidFill>
+                <a:effectLst/>
+                <a:uLnTx/>
+                <a:uFillTx/>
+                <a:latin typeface="Open Sans" panose="020B0606030504020204" pitchFamily="34" charset="0"/>
+              </a:rPr>
+              <a:t> Gaming</a:t>
+            </a:r>
+            <a:r>
+              <a:rPr kumimoji="0" lang="en-US" sz="1500" b="1" i="0" u="none" strike="noStrike" kern="1200" cap="none" spc="0" normalizeH="0" baseline="0" noProof="0" dirty="0" smtClean="0">
+                <a:ln>
+                  <a:noFill/>
+                </a:ln>
+                <a:solidFill>
+                  <a:srgbClr val="FFFFFF"/>
+                </a:solidFill>
+                <a:effectLst/>
+                <a:uLnTx/>
+                <a:uFillTx/>
+                <a:latin typeface="Open Sans" panose="020B0606030504020204" pitchFamily="34" charset="0"/>
+              </a:rPr>
+              <a:t> </a:t>
+            </a:r>
+            <a:endParaRPr kumimoji="0" lang="en-GB" sz="1500" b="1" i="0" u="none" strike="noStrike" kern="1200" cap="none" spc="0" normalizeH="0" baseline="0" noProof="0" dirty="0">
+              <a:ln>
+                <a:noFill/>
+              </a:ln>
+              <a:solidFill>
+                <a:srgbClr val="FFFFFF"/>
+              </a:solidFill>
+              <a:effectLst/>
+              <a:uLnTx/>
+              <a:uFillTx/>
+              <a:latin typeface="Noto Sans" panose="020B0502040504020204" pitchFamily="34"/>
+              <a:ea typeface="Noto Sans" panose="020B0502040504020204" pitchFamily="34"/>
+              <a:cs typeface="Noto Sans" panose="020B0502040504020204" pitchFamily="34"/>
+            </a:endParaRPr>
+          </a:p>
+        </p:txBody>
+      </p:sp>
+      <p:sp>
+        <p:nvSpPr>
+          <p:cNvPr id="39" name="Oval 38"/>
           <p:cNvSpPr/>
           <p:nvPr/>
         </p:nvSpPr>
         <p:spPr>
           <a:xfrm>
-            <a:off x="11512283" y="243039"/>
-            <a:ext cx="451117" cy="451117"/>
+            <a:off x="447809" y="5982563"/>
+            <a:ext cx="506366" cy="506366"/>
           </a:xfrm>
           <a:prstGeom prst="ellipse">
             <a:avLst/>
           </a:prstGeom>
           <a:solidFill>
-            <a:schemeClr val="accent3"/>
+            <a:schemeClr val="accent5"/>
           </a:solidFill>
           <a:ln>
             <a:noFill/>
@@ -6975,49 +5559,7 @@
           </a:fontRef>
         </p:style>
         <p:txBody>
-          <a:bodyPr wrap="none" rtlCol="0" anchor="ctr">
-            <a:noAutofit/>
-          </a:bodyPr>
-          <a:lstStyle/>
-          <a:p>
-            <a:pPr algn="ctr"/>
-            <a:r>
-              <a:rPr lang="en-GB" dirty="0">
-                <a:latin typeface="Noto Sans" panose="020B0502040504020204" pitchFamily="34"/>
-                <a:ea typeface="Noto Sans" panose="020B0502040504020204" pitchFamily="34"/>
-                <a:cs typeface="Noto Sans" panose="020B0502040504020204" pitchFamily="34"/>
-              </a:rPr>
-              <a:t>2</a:t>
-            </a:r>
-          </a:p>
-        </p:txBody>
-      </p:sp>
-      <p:sp>
-        <p:nvSpPr>
-          <p:cNvPr id="22" name="TextBox 21">
-            <a:extLst>
-              <a:ext uri="{FF2B5EF4-FFF2-40B4-BE49-F238E27FC236}">
-                <a16:creationId xmlns:a16="http://schemas.microsoft.com/office/drawing/2014/main" id="{1DCA16A0-DE3E-48AA-AC4F-10E39C53793D}"/>
-              </a:ext>
-            </a:extLst>
-          </p:cNvPr>
-          <p:cNvSpPr txBox="1"/>
-          <p:nvPr/>
-        </p:nvSpPr>
-        <p:spPr>
-          <a:xfrm>
-            <a:off x="0" y="6292734"/>
-            <a:ext cx="12192000" cy="369332"/>
-          </a:xfrm>
-          <a:prstGeom prst="rect">
-            <a:avLst/>
-          </a:prstGeom>
-          <a:noFill/>
-        </p:spPr>
-        <p:txBody>
-          <a:bodyPr wrap="square" rtlCol="0">
-            <a:spAutoFit/>
-          </a:bodyPr>
+          <a:bodyPr rtlCol="0" anchor="ctr"/>
           <a:lstStyle/>
           <a:p>
             <a:pPr marL="0" marR="0" lvl="0" indent="0" algn="ctr" defTabSz="914400" rtl="0" eaLnBrk="1" fontAlgn="auto" latinLnBrk="0" hangingPunct="1">
@@ -7038,37 +5580,56 @@
               <a:defRPr/>
             </a:pPr>
             <a:r>
-              <a:rPr kumimoji="0" lang="en-GB" sz="1800" b="0" i="0" u="none" strike="noStrike" kern="1200" cap="none" spc="0" normalizeH="0" baseline="0" noProof="0" dirty="0">
+              <a:rPr kumimoji="0" lang="en-US" sz="1800" b="1" i="0" u="none" strike="noStrike" kern="1200" cap="none" spc="0" normalizeH="0" baseline="0" noProof="0" dirty="0" smtClean="0">
                 <a:ln>
                   <a:noFill/>
                 </a:ln>
                 <a:solidFill>
-                  <a:schemeClr val="bg1">
-                    <a:lumMod val="65000"/>
-                  </a:schemeClr>
+                  <a:srgbClr val="FFFFFF"/>
                 </a:solidFill>
                 <a:effectLst/>
                 <a:uLnTx/>
                 <a:uFillTx/>
-                <a:latin typeface="Noto Sans" panose="020B0502040504020204" pitchFamily="34"/>
-                <a:ea typeface="Noto Sans" panose="020B0502040504020204" pitchFamily="34"/>
-                <a:cs typeface="Noto Sans" panose="020B0502040504020204" pitchFamily="34"/>
+                <a:latin typeface="Calibri" panose="020F0502020204030204"/>
+                <a:ea typeface="+mn-ea"/>
+                <a:cs typeface="+mn-cs"/>
               </a:rPr>
-              <a:t>www.yourwebsite.com</a:t>
-            </a:r>
+              <a:t>5</a:t>
+            </a:r>
+            <a:endParaRPr kumimoji="0" lang="en-US" sz="1800" b="1" i="0" u="none" strike="noStrike" kern="1200" cap="none" spc="0" normalizeH="0" baseline="0" noProof="0" dirty="0">
+              <a:ln>
+                <a:noFill/>
+              </a:ln>
+              <a:solidFill>
+                <a:srgbClr val="FFFFFF"/>
+              </a:solidFill>
+              <a:effectLst/>
+              <a:uLnTx/>
+              <a:uFillTx/>
+              <a:latin typeface="Calibri" panose="020F0502020204030204"/>
+              <a:ea typeface="+mn-ea"/>
+              <a:cs typeface="+mn-cs"/>
+            </a:endParaRPr>
           </a:p>
         </p:txBody>
       </p:sp>
     </p:spTree>
     <p:extLst>
       <p:ext uri="{BB962C8B-B14F-4D97-AF65-F5344CB8AC3E}">
-        <p14:creationId xmlns:p14="http://schemas.microsoft.com/office/powerpoint/2010/main" val="530024160"/>
+        <p14:creationId xmlns:p14="http://schemas.microsoft.com/office/powerpoint/2010/main" val="1093741666"/>
       </p:ext>
     </p:extLst>
   </p:cSld>
   <p:clrMapOvr>
     <a:masterClrMapping/>
   </p:clrMapOvr>
+  <p:timing>
+    <p:tnLst>
+      <p:par>
+        <p:cTn id="1" dur="indefinite" restart="never" nodeType="tmRoot"/>
+      </p:par>
+    </p:tnLst>
+  </p:timing>
 </p:sld>
 </file>
 
@@ -7115,7 +5676,7 @@
     </a:clrScheme>
     <a:fontScheme name="Office">
       <a:majorFont>
-        <a:latin typeface="Calibri Light" panose="020F0302020204030204"/>
+        <a:latin typeface="Calibri Light"/>
         <a:ea typeface=""/>
         <a:cs typeface=""/>
         <a:font script="Jpan" typeface="游ゴシック Light"/>
@@ -7167,7 +5728,7 @@
         <a:font script="Tfng" typeface="Ebrima"/>
       </a:majorFont>
       <a:minorFont>
-        <a:latin typeface="Calibri" panose="020F0502020204030204"/>
+        <a:latin typeface="Calibri"/>
         <a:ea typeface=""/>
         <a:cs typeface=""/>
         <a:font script="Jpan" typeface="游ゴシック"/>
@@ -7361,7 +5922,7 @@
   <a:extraClrSchemeLst/>
   <a:extLst>
     <a:ext uri="{05A4C25C-085E-4340-85A3-A5531E510DB2}">
-      <thm15:themeFamily xmlns:thm15="http://schemas.microsoft.com/office/thememl/2012/main" name="Office Theme" id="{62F939B6-93AF-4DB8-9C6B-D6C7DFDC589F}" vid="{4A3C46E8-61CC-4603-A589-7422A47A8E4A}"/>
+      <thm15:themeFamily xmlns:thm15="http://schemas.microsoft.com/office/thememl/2012/main" xmlns="" name="Office Theme" id="{62F939B6-93AF-4DB8-9C6B-D6C7DFDC589F}" vid="{4A3C46E8-61CC-4603-A589-7422A47A8E4A}"/>
     </a:ext>
   </a:extLst>
 </a:theme>

--- a/MySelf.pptx
+++ b/MySelf.pptx
@@ -290,7 +290,7 @@
             <a:fld id="{01B41F80-CB50-44AE-8443-B6A662D174DC}" type="datetimeFigureOut">
               <a:rPr lang="en-US" smtClean="0"/>
               <a:pPr/>
-              <a:t>12/2/2019</a:t>
+              <a:t>12/7/2019</a:t>
             </a:fld>
             <a:endParaRPr lang="en-US"/>
           </a:p>
@@ -457,7 +457,7 @@
             <a:fld id="{01B41F80-CB50-44AE-8443-B6A662D174DC}" type="datetimeFigureOut">
               <a:rPr lang="en-US" smtClean="0"/>
               <a:pPr/>
-              <a:t>12/2/2019</a:t>
+              <a:t>12/7/2019</a:t>
             </a:fld>
             <a:endParaRPr lang="en-US"/>
           </a:p>
@@ -634,7 +634,7 @@
             <a:fld id="{01B41F80-CB50-44AE-8443-B6A662D174DC}" type="datetimeFigureOut">
               <a:rPr lang="en-US" smtClean="0"/>
               <a:pPr/>
-              <a:t>12/2/2019</a:t>
+              <a:t>12/7/2019</a:t>
             </a:fld>
             <a:endParaRPr lang="en-US"/>
           </a:p>
@@ -727,7 +727,7 @@
           <p:cNvPr id="2" name="Graphic 2">
             <a:extLst>
               <a:ext uri="{FF2B5EF4-FFF2-40B4-BE49-F238E27FC236}">
-                <a16:creationId xmlns:a16="http://schemas.microsoft.com/office/drawing/2014/main" xmlns="" id="{C6032FB9-BC74-4D22-9490-C57A3761EB46}"/>
+                <a16:creationId xmlns="" xmlns:a16="http://schemas.microsoft.com/office/drawing/2014/main" id="{C6032FB9-BC74-4D22-9490-C57A3761EB46}"/>
               </a:ext>
             </a:extLst>
           </p:cNvPr>
@@ -1099,7 +1099,7 @@
             <a:fld id="{01B41F80-CB50-44AE-8443-B6A662D174DC}" type="datetimeFigureOut">
               <a:rPr lang="en-US" smtClean="0"/>
               <a:pPr/>
-              <a:t>12/2/2019</a:t>
+              <a:t>12/7/2019</a:t>
             </a:fld>
             <a:endParaRPr lang="en-US"/>
           </a:p>
@@ -1342,7 +1342,7 @@
             <a:fld id="{01B41F80-CB50-44AE-8443-B6A662D174DC}" type="datetimeFigureOut">
               <a:rPr lang="en-US" smtClean="0"/>
               <a:pPr/>
-              <a:t>12/2/2019</a:t>
+              <a:t>12/7/2019</a:t>
             </a:fld>
             <a:endParaRPr lang="en-US"/>
           </a:p>
@@ -1627,7 +1627,7 @@
             <a:fld id="{01B41F80-CB50-44AE-8443-B6A662D174DC}" type="datetimeFigureOut">
               <a:rPr lang="en-US" smtClean="0"/>
               <a:pPr/>
-              <a:t>12/2/2019</a:t>
+              <a:t>12/7/2019</a:t>
             </a:fld>
             <a:endParaRPr lang="en-US"/>
           </a:p>
@@ -2046,7 +2046,7 @@
             <a:fld id="{01B41F80-CB50-44AE-8443-B6A662D174DC}" type="datetimeFigureOut">
               <a:rPr lang="en-US" smtClean="0"/>
               <a:pPr/>
-              <a:t>12/2/2019</a:t>
+              <a:t>12/7/2019</a:t>
             </a:fld>
             <a:endParaRPr lang="en-US"/>
           </a:p>
@@ -2161,7 +2161,7 @@
             <a:fld id="{01B41F80-CB50-44AE-8443-B6A662D174DC}" type="datetimeFigureOut">
               <a:rPr lang="en-US" smtClean="0"/>
               <a:pPr/>
-              <a:t>12/2/2019</a:t>
+              <a:t>12/7/2019</a:t>
             </a:fld>
             <a:endParaRPr lang="en-US"/>
           </a:p>
@@ -2253,7 +2253,7 @@
             <a:fld id="{01B41F80-CB50-44AE-8443-B6A662D174DC}" type="datetimeFigureOut">
               <a:rPr lang="en-US" smtClean="0"/>
               <a:pPr/>
-              <a:t>12/2/2019</a:t>
+              <a:t>12/7/2019</a:t>
             </a:fld>
             <a:endParaRPr lang="en-US"/>
           </a:p>
@@ -2527,7 +2527,7 @@
             <a:fld id="{01B41F80-CB50-44AE-8443-B6A662D174DC}" type="datetimeFigureOut">
               <a:rPr lang="en-US" smtClean="0"/>
               <a:pPr/>
-              <a:t>12/2/2019</a:t>
+              <a:t>12/7/2019</a:t>
             </a:fld>
             <a:endParaRPr lang="en-US"/>
           </a:p>
@@ -2777,7 +2777,7 @@
             <a:fld id="{01B41F80-CB50-44AE-8443-B6A662D174DC}" type="datetimeFigureOut">
               <a:rPr lang="en-US" smtClean="0"/>
               <a:pPr/>
-              <a:t>12/2/2019</a:t>
+              <a:t>12/7/2019</a:t>
             </a:fld>
             <a:endParaRPr lang="en-US"/>
           </a:p>
@@ -2987,7 +2987,7 @@
             <a:fld id="{01B41F80-CB50-44AE-8443-B6A662D174DC}" type="datetimeFigureOut">
               <a:rPr lang="en-US" smtClean="0"/>
               <a:pPr/>
-              <a:t>12/2/2019</a:t>
+              <a:t>12/7/2019</a:t>
             </a:fld>
             <a:endParaRPr lang="en-US"/>
           </a:p>
@@ -3365,7 +3365,7 @@
           <p:cNvPr id="35" name="Freeform: Shape 34">
             <a:extLst>
               <a:ext uri="{FF2B5EF4-FFF2-40B4-BE49-F238E27FC236}">
-                <a16:creationId xmlns="" xmlns:a16="http://schemas.microsoft.com/office/drawing/2014/main" id="{64F114B5-BF08-46FB-880A-2EB8C212F8E7}"/>
+                <a16:creationId xmlns:a16="http://schemas.microsoft.com/office/drawing/2014/main" xmlns="" id="{64F114B5-BF08-46FB-880A-2EB8C212F8E7}"/>
               </a:ext>
             </a:extLst>
           </p:cNvPr>
@@ -3489,7 +3489,7 @@
           <p:cNvPr id="36" name="Group 35">
             <a:extLst>
               <a:ext uri="{FF2B5EF4-FFF2-40B4-BE49-F238E27FC236}">
-                <a16:creationId xmlns="" xmlns:a16="http://schemas.microsoft.com/office/drawing/2014/main" id="{0EA5F8CF-EB57-4958-A812-E545D84B5A02}"/>
+                <a16:creationId xmlns:a16="http://schemas.microsoft.com/office/drawing/2014/main" xmlns="" id="{0EA5F8CF-EB57-4958-A812-E545D84B5A02}"/>
               </a:ext>
             </a:extLst>
           </p:cNvPr>
@@ -3616,7 +3616,7 @@
           <p:cNvPr id="10" name="TextBox 9">
             <a:extLst>
               <a:ext uri="{FF2B5EF4-FFF2-40B4-BE49-F238E27FC236}">
-                <a16:creationId xmlns="" xmlns:a16="http://schemas.microsoft.com/office/drawing/2014/main" id="{8464A061-4D0C-4603-9DE2-0D5C5BC3E7BF}"/>
+                <a16:creationId xmlns:a16="http://schemas.microsoft.com/office/drawing/2014/main" xmlns="" id="{8464A061-4D0C-4603-9DE2-0D5C5BC3E7BF}"/>
               </a:ext>
             </a:extLst>
           </p:cNvPr>
@@ -3640,7 +3640,7 @@
           <a:lstStyle/>
           <a:p>
             <a:r>
-              <a:rPr lang="en-US" altLang="ko-KR" sz="4000" dirty="0" err="1" smtClean="0">
+              <a:rPr lang="en-US" altLang="ko-KR" sz="4000" dirty="0" smtClean="0">
                 <a:solidFill>
                   <a:srgbClr val="00B0F0"/>
                 </a:solidFill>
@@ -3648,16 +3648,10 @@
               </a:rPr>
               <a:t>Venkat</a:t>
             </a:r>
-            <a:endParaRPr lang="en-US" altLang="ko-KR" sz="4000" dirty="0" smtClean="0">
-              <a:solidFill>
-                <a:srgbClr val="00B0F0"/>
-              </a:solidFill>
-              <a:cs typeface="Arial" pitchFamily="34" charset="0"/>
-            </a:endParaRPr>
-          </a:p>
-          <a:p>
-            <a:r>
-              <a:rPr lang="en-US" altLang="ko-KR" sz="4000" dirty="0" err="1" smtClean="0">
+          </a:p>
+          <a:p>
+            <a:r>
+              <a:rPr lang="en-US" altLang="ko-KR" sz="4000" dirty="0" smtClean="0">
                 <a:solidFill>
                   <a:srgbClr val="00B0F0"/>
                 </a:solidFill>
@@ -3679,7 +3673,7 @@
           <p:cNvPr id="37" name="Group 36">
             <a:extLst>
               <a:ext uri="{FF2B5EF4-FFF2-40B4-BE49-F238E27FC236}">
-                <a16:creationId xmlns="" xmlns:a16="http://schemas.microsoft.com/office/drawing/2014/main" id="{6C11F8C7-1CD1-4C7A-A272-0A5C754C1147}"/>
+                <a16:creationId xmlns:a16="http://schemas.microsoft.com/office/drawing/2014/main" xmlns="" id="{6C11F8C7-1CD1-4C7A-A272-0A5C754C1147}"/>
               </a:ext>
             </a:extLst>
           </p:cNvPr>
@@ -3699,7 +3693,7 @@
             <p:cNvPr id="38" name="TextBox 37">
               <a:extLst>
                 <a:ext uri="{FF2B5EF4-FFF2-40B4-BE49-F238E27FC236}">
-                  <a16:creationId xmlns="" xmlns:a16="http://schemas.microsoft.com/office/drawing/2014/main" id="{27A77F05-BF4D-4D74-B789-7717A3814F1A}"/>
+                  <a16:creationId xmlns:a16="http://schemas.microsoft.com/office/drawing/2014/main" xmlns="" id="{27A77F05-BF4D-4D74-B789-7717A3814F1A}"/>
                 </a:ext>
               </a:extLst>
             </p:cNvPr>
@@ -3741,7 +3735,7 @@
             <p:cNvPr id="39" name="TextBox 38">
               <a:extLst>
                 <a:ext uri="{FF2B5EF4-FFF2-40B4-BE49-F238E27FC236}">
-                  <a16:creationId xmlns="" xmlns:a16="http://schemas.microsoft.com/office/drawing/2014/main" id="{448CA0A5-A571-4EFA-BFCC-7BA48C5C620B}"/>
+                  <a16:creationId xmlns:a16="http://schemas.microsoft.com/office/drawing/2014/main" xmlns="" id="{448CA0A5-A571-4EFA-BFCC-7BA48C5C620B}"/>
                 </a:ext>
               </a:extLst>
             </p:cNvPr>
@@ -3781,7 +3775,7 @@
             <p:cNvPr id="40" name="TextBox 39">
               <a:extLst>
                 <a:ext uri="{FF2B5EF4-FFF2-40B4-BE49-F238E27FC236}">
-                  <a16:creationId xmlns="" xmlns:a16="http://schemas.microsoft.com/office/drawing/2014/main" id="{97006DBC-DF5A-4E9E-9BF8-2CEF49917F1C}"/>
+                  <a16:creationId xmlns:a16="http://schemas.microsoft.com/office/drawing/2014/main" xmlns="" id="{97006DBC-DF5A-4E9E-9BF8-2CEF49917F1C}"/>
                 </a:ext>
               </a:extLst>
             </p:cNvPr>
@@ -3835,7 +3829,7 @@
           <p:cNvPr id="45" name="Group 44">
             <a:extLst>
               <a:ext uri="{FF2B5EF4-FFF2-40B4-BE49-F238E27FC236}">
-                <a16:creationId xmlns="" xmlns:a16="http://schemas.microsoft.com/office/drawing/2014/main" id="{7D868B60-6ADB-4C77-A4B3-5A8E54EA45CD}"/>
+                <a16:creationId xmlns:a16="http://schemas.microsoft.com/office/drawing/2014/main" xmlns="" id="{7D868B60-6ADB-4C77-A4B3-5A8E54EA45CD}"/>
               </a:ext>
             </a:extLst>
           </p:cNvPr>
@@ -3855,7 +3849,7 @@
             <p:cNvPr id="46" name="TextBox 45">
               <a:extLst>
                 <a:ext uri="{FF2B5EF4-FFF2-40B4-BE49-F238E27FC236}">
-                  <a16:creationId xmlns="" xmlns:a16="http://schemas.microsoft.com/office/drawing/2014/main" id="{B34B442B-F03F-434B-9D99-11FC2FE9EE89}"/>
+                  <a16:creationId xmlns:a16="http://schemas.microsoft.com/office/drawing/2014/main" xmlns="" id="{B34B442B-F03F-434B-9D99-11FC2FE9EE89}"/>
                 </a:ext>
               </a:extLst>
             </p:cNvPr>
@@ -3897,7 +3891,7 @@
             <p:cNvPr id="47" name="TextBox 46">
               <a:extLst>
                 <a:ext uri="{FF2B5EF4-FFF2-40B4-BE49-F238E27FC236}">
-                  <a16:creationId xmlns="" xmlns:a16="http://schemas.microsoft.com/office/drawing/2014/main" id="{EFE9869F-753F-4A51-B57B-3F7ADDB61784}"/>
+                  <a16:creationId xmlns:a16="http://schemas.microsoft.com/office/drawing/2014/main" xmlns="" id="{EFE9869F-753F-4A51-B57B-3F7ADDB61784}"/>
                 </a:ext>
               </a:extLst>
             </p:cNvPr>
@@ -3937,7 +3931,7 @@
             <p:cNvPr id="48" name="TextBox 47">
               <a:extLst>
                 <a:ext uri="{FF2B5EF4-FFF2-40B4-BE49-F238E27FC236}">
-                  <a16:creationId xmlns="" xmlns:a16="http://schemas.microsoft.com/office/drawing/2014/main" id="{78CBDD7A-B997-4592-BC53-8B38F7A8DB3C}"/>
+                  <a16:creationId xmlns:a16="http://schemas.microsoft.com/office/drawing/2014/main" xmlns="" id="{78CBDD7A-B997-4592-BC53-8B38F7A8DB3C}"/>
                 </a:ext>
               </a:extLst>
             </p:cNvPr>
@@ -3985,7 +3979,7 @@
           <p:cNvPr id="49" name="Group 48">
             <a:extLst>
               <a:ext uri="{FF2B5EF4-FFF2-40B4-BE49-F238E27FC236}">
-                <a16:creationId xmlns="" xmlns:a16="http://schemas.microsoft.com/office/drawing/2014/main" id="{5604C525-5794-4C78-8AEE-8BE73356A4C7}"/>
+                <a16:creationId xmlns:a16="http://schemas.microsoft.com/office/drawing/2014/main" xmlns="" id="{5604C525-5794-4C78-8AEE-8BE73356A4C7}"/>
               </a:ext>
             </a:extLst>
           </p:cNvPr>
@@ -4005,7 +3999,7 @@
             <p:cNvPr id="50" name="TextBox 49">
               <a:extLst>
                 <a:ext uri="{FF2B5EF4-FFF2-40B4-BE49-F238E27FC236}">
-                  <a16:creationId xmlns="" xmlns:a16="http://schemas.microsoft.com/office/drawing/2014/main" id="{F8BE6DAD-A8B8-45C0-A09A-7239F35989EC}"/>
+                  <a16:creationId xmlns:a16="http://schemas.microsoft.com/office/drawing/2014/main" xmlns="" id="{F8BE6DAD-A8B8-45C0-A09A-7239F35989EC}"/>
                 </a:ext>
               </a:extLst>
             </p:cNvPr>
@@ -4045,7 +4039,7 @@
             <p:cNvPr id="51" name="TextBox 50">
               <a:extLst>
                 <a:ext uri="{FF2B5EF4-FFF2-40B4-BE49-F238E27FC236}">
-                  <a16:creationId xmlns="" xmlns:a16="http://schemas.microsoft.com/office/drawing/2014/main" id="{7E2E89BE-BCF0-47B8-B475-F454BADF5AD5}"/>
+                  <a16:creationId xmlns:a16="http://schemas.microsoft.com/office/drawing/2014/main" xmlns="" id="{7E2E89BE-BCF0-47B8-B475-F454BADF5AD5}"/>
                 </a:ext>
               </a:extLst>
             </p:cNvPr>
@@ -4085,7 +4079,7 @@
             <p:cNvPr id="52" name="TextBox 51">
               <a:extLst>
                 <a:ext uri="{FF2B5EF4-FFF2-40B4-BE49-F238E27FC236}">
-                  <a16:creationId xmlns="" xmlns:a16="http://schemas.microsoft.com/office/drawing/2014/main" id="{B47E03FC-FBD7-46D9-B960-27230C6FFAD6}"/>
+                  <a16:creationId xmlns:a16="http://schemas.microsoft.com/office/drawing/2014/main" xmlns="" id="{B47E03FC-FBD7-46D9-B960-27230C6FFAD6}"/>
                 </a:ext>
               </a:extLst>
             </p:cNvPr>
@@ -4133,7 +4127,7 @@
           <p:cNvPr id="57" name="Straight Connector 56">
             <a:extLst>
               <a:ext uri="{FF2B5EF4-FFF2-40B4-BE49-F238E27FC236}">
-                <a16:creationId xmlns="" xmlns:a16="http://schemas.microsoft.com/office/drawing/2014/main" id="{3AEFA7AC-34B4-45A5-BE3F-7C686A56B498}"/>
+                <a16:creationId xmlns:a16="http://schemas.microsoft.com/office/drawing/2014/main" xmlns="" id="{3AEFA7AC-34B4-45A5-BE3F-7C686A56B498}"/>
               </a:ext>
             </a:extLst>
           </p:cNvPr>
@@ -4172,7 +4166,7 @@
           <p:cNvPr id="723" name="Straight Connector 722">
             <a:extLst>
               <a:ext uri="{FF2B5EF4-FFF2-40B4-BE49-F238E27FC236}">
-                <a16:creationId xmlns="" xmlns:a16="http://schemas.microsoft.com/office/drawing/2014/main" id="{08DAAE6F-835C-44D8-A927-AA56CC07EDA3}"/>
+                <a16:creationId xmlns:a16="http://schemas.microsoft.com/office/drawing/2014/main" xmlns="" id="{08DAAE6F-835C-44D8-A927-AA56CC07EDA3}"/>
               </a:ext>
             </a:extLst>
           </p:cNvPr>
@@ -4211,7 +4205,7 @@
           <p:cNvPr id="724" name="Straight Connector 723">
             <a:extLst>
               <a:ext uri="{FF2B5EF4-FFF2-40B4-BE49-F238E27FC236}">
-                <a16:creationId xmlns="" xmlns:a16="http://schemas.microsoft.com/office/drawing/2014/main" id="{9F276600-9B9D-4CAF-B10B-041D668C0848}"/>
+                <a16:creationId xmlns:a16="http://schemas.microsoft.com/office/drawing/2014/main" xmlns="" id="{9F276600-9B9D-4CAF-B10B-041D668C0848}"/>
               </a:ext>
             </a:extLst>
           </p:cNvPr>
@@ -4250,7 +4244,7 @@
           <p:cNvPr id="726" name="Straight Connector 725">
             <a:extLst>
               <a:ext uri="{FF2B5EF4-FFF2-40B4-BE49-F238E27FC236}">
-                <a16:creationId xmlns="" xmlns:a16="http://schemas.microsoft.com/office/drawing/2014/main" id="{651915D1-9D71-4DBF-A0E7-F7F093CBD117}"/>
+                <a16:creationId xmlns:a16="http://schemas.microsoft.com/office/drawing/2014/main" xmlns="" id="{651915D1-9D71-4DBF-A0E7-F7F093CBD117}"/>
               </a:ext>
             </a:extLst>
           </p:cNvPr>
@@ -4289,7 +4283,7 @@
           <p:cNvPr id="728" name="Straight Connector 727">
             <a:extLst>
               <a:ext uri="{FF2B5EF4-FFF2-40B4-BE49-F238E27FC236}">
-                <a16:creationId xmlns="" xmlns:a16="http://schemas.microsoft.com/office/drawing/2014/main" id="{B394B36D-783E-4560-94FB-5F422257D671}"/>
+                <a16:creationId xmlns:a16="http://schemas.microsoft.com/office/drawing/2014/main" xmlns="" id="{B394B36D-783E-4560-94FB-5F422257D671}"/>
               </a:ext>
             </a:extLst>
           </p:cNvPr>
@@ -4417,7 +4411,7 @@
           <p:cNvPr id="4" name="TextBox 3">
             <a:extLst>
               <a:ext uri="{FF2B5EF4-FFF2-40B4-BE49-F238E27FC236}">
-                <a16:creationId xmlns:a16="http://schemas.microsoft.com/office/drawing/2014/main" xmlns="" id="{DF691C40-340A-44BC-A6B3-C3A20A9ED913}"/>
+                <a16:creationId xmlns="" xmlns:a16="http://schemas.microsoft.com/office/drawing/2014/main" id="{DF691C40-340A-44BC-A6B3-C3A20A9ED913}"/>
               </a:ext>
             </a:extLst>
           </p:cNvPr>
